--- a/Convectional Neural Networks Final Presentation.pptx
+++ b/Convectional Neural Networks Final Presentation.pptx
@@ -639,7 +639,7 @@
           </a:ln>
           <a:extLst>
             <a:ext uri="{909E8E84-426E-40dd-AFC4-6F175D3DCCD1}">
-              <a14:hiddenFill xmlns="" xmlns:a14="http://schemas.microsoft.com/office/drawing/2010/main">
+              <a14:hiddenFill xmlns:a14="http://schemas.microsoft.com/office/drawing/2010/main" xmlns="">
                 <a:solidFill>
                   <a:srgbClr val="FFFFFF"/>
                 </a:solidFill>
@@ -1091,14 +1091,14 @@
           </a:ln>
           <a:extLst>
             <a:ext uri="{909E8E84-426E-40dd-AFC4-6F175D3DCCD1}">
-              <a14:hiddenFill xmlns:a14="http://schemas.microsoft.com/office/drawing/2010/main" xmlns="">
+              <a14:hiddenFill xmlns="" xmlns:a14="http://schemas.microsoft.com/office/drawing/2010/main">
                 <a:solidFill>
                   <a:srgbClr val="FFFFFF"/>
                 </a:solidFill>
               </a14:hiddenFill>
             </a:ext>
             <a:ext uri="{91240B29-F687-4f45-9708-019B960494DF}">
-              <a14:hiddenLine xmlns:a14="http://schemas.microsoft.com/office/drawing/2010/main" xmlns="" w="9525">
+              <a14:hiddenLine xmlns="" xmlns:a14="http://schemas.microsoft.com/office/drawing/2010/main" w="9525">
                 <a:solidFill>
                   <a:srgbClr val="000000"/>
                 </a:solidFill>
@@ -1132,14 +1132,14 @@
           </a:ln>
           <a:extLst>
             <a:ext uri="{909E8E84-426E-40dd-AFC4-6F175D3DCCD1}">
-              <a14:hiddenFill xmlns:a14="http://schemas.microsoft.com/office/drawing/2010/main" xmlns="">
+              <a14:hiddenFill xmlns="" xmlns:a14="http://schemas.microsoft.com/office/drawing/2010/main">
                 <a:solidFill>
                   <a:srgbClr val="FFFFFF"/>
                 </a:solidFill>
               </a14:hiddenFill>
             </a:ext>
             <a:ext uri="{91240B29-F687-4f45-9708-019B960494DF}">
-              <a14:hiddenLine xmlns:a14="http://schemas.microsoft.com/office/drawing/2010/main" xmlns="" w="9525">
+              <a14:hiddenLine xmlns="" xmlns:a14="http://schemas.microsoft.com/office/drawing/2010/main" w="9525">
                 <a:solidFill>
                   <a:srgbClr val="000000"/>
                 </a:solidFill>
@@ -1288,7 +1288,7 @@
           </a:ln>
           <a:extLst>
             <a:ext uri="{909E8E84-426E-40dd-AFC4-6F175D3DCCD1}">
-              <a14:hiddenFill xmlns:a14="http://schemas.microsoft.com/office/drawing/2010/main" xmlns="">
+              <a14:hiddenFill xmlns="" xmlns:a14="http://schemas.microsoft.com/office/drawing/2010/main">
                 <a:noFill/>
               </a14:hiddenFill>
             </a:ext>
@@ -1329,7 +1329,7 @@
           </a:ln>
           <a:extLst>
             <a:ext uri="{909E8E84-426E-40dd-AFC4-6F175D3DCCD1}">
-              <a14:hiddenFill xmlns:a14="http://schemas.microsoft.com/office/drawing/2010/main" xmlns="">
+              <a14:hiddenFill xmlns="" xmlns:a14="http://schemas.microsoft.com/office/drawing/2010/main">
                 <a:noFill/>
               </a14:hiddenFill>
             </a:ext>
@@ -1370,7 +1370,7 @@
           </a:ln>
           <a:extLst>
             <a:ext uri="{909E8E84-426E-40dd-AFC4-6F175D3DCCD1}">
-              <a14:hiddenFill xmlns:a14="http://schemas.microsoft.com/office/drawing/2010/main" xmlns="">
+              <a14:hiddenFill xmlns="" xmlns:a14="http://schemas.microsoft.com/office/drawing/2010/main">
                 <a:solidFill>
                   <a:srgbClr val="FFFFFF"/>
                 </a:solidFill>
@@ -1513,7 +1513,7 @@
           </a:ln>
           <a:extLst>
             <a:ext uri="{909E8E84-426E-40dd-AFC4-6F175D3DCCD1}">
-              <a14:hiddenFill xmlns:a14="http://schemas.microsoft.com/office/drawing/2010/main" xmlns="">
+              <a14:hiddenFill xmlns="" xmlns:a14="http://schemas.microsoft.com/office/drawing/2010/main">
                 <a:solidFill>
                   <a:srgbClr val="FFFFFF"/>
                 </a:solidFill>
@@ -3414,14 +3414,14 @@
           </a:ln>
           <a:extLst>
             <a:ext uri="{909E8E84-426E-40dd-AFC4-6F175D3DCCD1}">
-              <a14:hiddenFill xmlns:a14="http://schemas.microsoft.com/office/drawing/2010/main" xmlns="">
+              <a14:hiddenFill xmlns="" xmlns:a14="http://schemas.microsoft.com/office/drawing/2010/main">
                 <a:solidFill>
                   <a:srgbClr val="FFFFFF"/>
                 </a:solidFill>
               </a14:hiddenFill>
             </a:ext>
             <a:ext uri="{91240B29-F687-4f45-9708-019B960494DF}">
-              <a14:hiddenLine xmlns:a14="http://schemas.microsoft.com/office/drawing/2010/main" xmlns="" w="9525">
+              <a14:hiddenLine xmlns="" xmlns:a14="http://schemas.microsoft.com/office/drawing/2010/main" w="9525">
                 <a:solidFill>
                   <a:srgbClr val="000000"/>
                 </a:solidFill>
@@ -3457,14 +3457,14 @@
           </a:ln>
           <a:extLst>
             <a:ext uri="{909E8E84-426E-40dd-AFC4-6F175D3DCCD1}">
-              <a14:hiddenFill xmlns:a14="http://schemas.microsoft.com/office/drawing/2010/main" xmlns="">
+              <a14:hiddenFill xmlns="" xmlns:a14="http://schemas.microsoft.com/office/drawing/2010/main">
                 <a:solidFill>
                   <a:srgbClr val="FFFFFF"/>
                 </a:solidFill>
               </a14:hiddenFill>
             </a:ext>
             <a:ext uri="{91240B29-F687-4f45-9708-019B960494DF}">
-              <a14:hiddenLine xmlns:a14="http://schemas.microsoft.com/office/drawing/2010/main" xmlns="" w="9525">
+              <a14:hiddenLine xmlns="" xmlns:a14="http://schemas.microsoft.com/office/drawing/2010/main" w="9525">
                 <a:solidFill>
                   <a:srgbClr val="000000"/>
                 </a:solidFill>
@@ -3515,14 +3515,14 @@
           </a:ln>
           <a:extLst>
             <a:ext uri="{909E8E84-426E-40dd-AFC4-6F175D3DCCD1}">
-              <a14:hiddenFill xmlns:a14="http://schemas.microsoft.com/office/drawing/2010/main" xmlns="">
+              <a14:hiddenFill xmlns="" xmlns:a14="http://schemas.microsoft.com/office/drawing/2010/main">
                 <a:solidFill>
                   <a:srgbClr val="FFFFFF"/>
                 </a:solidFill>
               </a14:hiddenFill>
             </a:ext>
             <a:ext uri="{91240B29-F687-4f45-9708-019B960494DF}">
-              <a14:hiddenLine xmlns:a14="http://schemas.microsoft.com/office/drawing/2010/main" xmlns="" w="9525">
+              <a14:hiddenLine xmlns="" xmlns:a14="http://schemas.microsoft.com/office/drawing/2010/main" w="9525">
                 <a:solidFill>
                   <a:srgbClr val="000000"/>
                 </a:solidFill>
@@ -3576,7 +3576,7 @@
           </a:ln>
           <a:extLst>
             <a:ext uri="{909E8E84-426E-40dd-AFC4-6F175D3DCCD1}">
-              <a14:hiddenFill xmlns:a14="http://schemas.microsoft.com/office/drawing/2010/main" xmlns="">
+              <a14:hiddenFill xmlns="" xmlns:a14="http://schemas.microsoft.com/office/drawing/2010/main">
                 <a:noFill/>
               </a14:hiddenFill>
             </a:ext>
@@ -3617,7 +3617,7 @@
           <a:effectLst/>
           <a:extLst>
             <a:ext uri="{AF507438-7753-43e0-B8FC-AC1667EBCBE1}">
-              <a14:hiddenEffects xmlns:a14="http://schemas.microsoft.com/office/drawing/2010/main" xmlns="">
+              <a14:hiddenEffects xmlns="" xmlns:a14="http://schemas.microsoft.com/office/drawing/2010/main">
                 <a:effectLst>
                   <a:outerShdw dist="35921" dir="2700000" algn="ctr" rotWithShape="0">
                     <a:schemeClr val="bg2"/>
@@ -4173,14 +4173,14 @@
           </a:ln>
           <a:extLst>
             <a:ext uri="{909E8E84-426E-40dd-AFC4-6F175D3DCCD1}">
-              <a14:hiddenFill xmlns="" xmlns:a14="http://schemas.microsoft.com/office/drawing/2010/main">
+              <a14:hiddenFill xmlns:a14="http://schemas.microsoft.com/office/drawing/2010/main" xmlns="">
                 <a:solidFill>
                   <a:srgbClr val="FFFFFF"/>
                 </a:solidFill>
               </a14:hiddenFill>
             </a:ext>
             <a:ext uri="{91240B29-F687-4f45-9708-019B960494DF}">
-              <a14:hiddenLine xmlns="" xmlns:a14="http://schemas.microsoft.com/office/drawing/2010/main" w="9525">
+              <a14:hiddenLine xmlns:a14="http://schemas.microsoft.com/office/drawing/2010/main" xmlns="" w="9525">
                 <a:solidFill>
                   <a:srgbClr val="000000"/>
                 </a:solidFill>
@@ -4651,7 +4651,7 @@
               <a:buClrTx/>
             </a:pPr>
             <a:r>
-              <a:rPr lang="en-US" sz="1800" dirty="0" smtClean="0">
+              <a:rPr lang="en-US" sz="1800" b="1" dirty="0" smtClean="0">
                 <a:solidFill>
                   <a:schemeClr val="tx1"/>
                 </a:solidFill>
@@ -4659,16 +4659,32 @@
               <a:t>Character-level: </a:t>
             </a:r>
             <a:r>
-              <a:rPr lang="en-US" sz="1800" dirty="0" smtClean="0">
-                <a:solidFill>
-                  <a:srgbClr val="FF0000"/>
+              <a:rPr lang="en-US" sz="1800" dirty="0">
+                <a:solidFill>
+                  <a:schemeClr val="tx1"/>
                 </a:solidFill>
               </a:rPr>
-              <a:t>INSERT RECIPE FROM POSTER HERE</a:t>
+              <a:t>1/2 tsp. baking soda,1 tsp. vanilla extract,1 cup all purpose flour,1 teaspoon baking soda,1 teaspoon salt,6 tablespoons brown sugar,2 cups candy covered plus  1/4 finely diced,1/2 cup firmly packed brown sugar,1 egg  1 3/4 cups sugar,2 la 1/2 tsp. baking soda,1 tsp. vanilla extract  2 cups chocolate chips,1/2 cup agave nectar,1 teaspoon coconut extract ,1 teaspoon salt,1 cup </a:t>
+            </a:r>
+            <a:r>
+              <a:rPr lang="en-US" sz="1800" dirty="0" err="1">
+                <a:solidFill>
+                  <a:schemeClr val="tx1"/>
+                </a:solidFill>
+              </a:rPr>
+              <a:t>nutella</a:t>
+            </a:r>
+            <a:r>
+              <a:rPr lang="en-US" sz="1800" dirty="0">
+                <a:solidFill>
+                  <a:schemeClr val="tx1"/>
+                </a:solidFill>
+              </a:rPr>
+              <a:t>, 1/2 cup rainbow sprinkles of chopped nuts,1/3 cup chocolate hot cocoa powder,1 tsp vanilla </a:t>
             </a:r>
             <a:endParaRPr lang="en-US" sz="1800" dirty="0" smtClean="0">
               <a:solidFill>
-                <a:srgbClr val="FF0000"/>
+                <a:schemeClr val="tx1"/>
               </a:solidFill>
             </a:endParaRPr>
           </a:p>
@@ -4677,12 +4693,20 @@
               <a:buClrTx/>
             </a:pPr>
             <a:r>
+              <a:rPr lang="en-US" sz="1800" b="1" dirty="0" smtClean="0">
+                <a:solidFill>
+                  <a:schemeClr val="tx1"/>
+                </a:solidFill>
+              </a:rPr>
+              <a:t>Word-level</a:t>
+            </a:r>
+            <a:r>
               <a:rPr lang="en-US" sz="1800" dirty="0" smtClean="0">
                 <a:solidFill>
                   <a:schemeClr val="tx1"/>
                 </a:solidFill>
               </a:rPr>
-              <a:t>Word-level: </a:t>
+              <a:t>: </a:t>
             </a:r>
             <a:r>
               <a:rPr lang="en-US" sz="1800" dirty="0">
@@ -4711,7 +4735,7 @@
               <a:buClrTx/>
             </a:pPr>
             <a:r>
-              <a:rPr lang="en-US" sz="1800" dirty="0" smtClean="0">
+              <a:rPr lang="en-US" sz="1800" b="1" dirty="0" smtClean="0">
                 <a:solidFill>
                   <a:schemeClr val="tx1"/>
                 </a:solidFill>
@@ -4719,12 +4743,20 @@
               <a:t>Phrase-level</a:t>
             </a:r>
             <a:r>
+              <a:rPr lang="en-US" sz="1800" b="1" dirty="0">
+                <a:solidFill>
+                  <a:schemeClr val="tx1"/>
+                </a:solidFill>
+              </a:rPr>
+              <a:t>:</a:t>
+            </a:r>
+            <a:r>
               <a:rPr lang="en-US" sz="1800" dirty="0">
                 <a:solidFill>
                   <a:schemeClr val="tx1"/>
                 </a:solidFill>
               </a:rPr>
-              <a:t>:  1/2 cup soy or coconut vanilla flavored creamer  2 teaspoons of vanilla extract 2 teaspoons vanilla essence   1 flax egg  2 tablespoons egg or whey chocolate protein powder  2 large egg yolks at room temperature 1/3 cup dark chocolate chips 1 cup semi sweet chocolate chips  3/4 cups granulated </a:t>
+              <a:t>  1/2 cup soy or coconut vanilla flavored creamer  2 teaspoons of vanilla extract 2 teaspoons vanilla essence   1 flax egg  2 tablespoons egg or whey chocolate protein powder  2 large egg yolks at room temperature 1/3 cup dark chocolate chips 1 cup semi sweet chocolate chips  3/4 cups granulated </a:t>
             </a:r>
             <a:r>
               <a:rPr lang="en-US" sz="1800" dirty="0" smtClean="0">
@@ -4790,13 +4822,8 @@
           <a:p>
             <a:r>
               <a:rPr lang="en-US" dirty="0"/>
-              <a:t>Results </a:t>
-            </a:r>
-            <a:r>
-              <a:rPr lang="en-US" dirty="0"/>
-              <a:t>4</a:t>
-            </a:r>
-            <a:endParaRPr lang="en-US" dirty="0"/>
+              <a:t>Results 4</a:t>
+            </a:r>
           </a:p>
         </p:txBody>
       </p:sp>
@@ -4841,7 +4868,6 @@
               <a:rPr lang="en-US" sz="1800" dirty="0" smtClean="0"/>
               <a:t>overfitting</a:t>
             </a:r>
-            <a:endParaRPr lang="en-US" sz="1800" dirty="0" smtClean="0"/>
           </a:p>
           <a:p>
             <a:pPr lvl="1"/>
@@ -5410,11 +5436,7 @@
           <a:p>
             <a:r>
               <a:rPr lang="en-US" dirty="0" smtClean="0"/>
-              <a:t>Convectional Neural </a:t>
-            </a:r>
-            <a:r>
-              <a:rPr lang="en-US" dirty="0" smtClean="0"/>
-              <a:t>Networks</a:t>
+              <a:t>Convectional Neural Networks</a:t>
             </a:r>
             <a:endParaRPr lang="en-US" dirty="0"/>
           </a:p>
@@ -5437,11 +5459,7 @@
           <a:p>
             <a:r>
               <a:rPr lang="en-US" dirty="0" smtClean="0"/>
-              <a:t>Convectional Neural </a:t>
-            </a:r>
-            <a:r>
-              <a:rPr lang="en-US" dirty="0" smtClean="0"/>
-              <a:t>Networks</a:t>
+              <a:t>Convectional Neural Networks</a:t>
             </a:r>
             <a:endParaRPr lang="en-US" dirty="0"/>
           </a:p>
@@ -5855,11 +5873,7 @@
             </a:r>
             <a:r>
               <a:rPr lang="en-US" sz="1800" dirty="0" smtClean="0"/>
-              <a:t> on</a:t>
-            </a:r>
-            <a:r>
-              <a:rPr lang="en-US" sz="1800" dirty="0" smtClean="0"/>
-              <a:t> </a:t>
+              <a:t> on </a:t>
             </a:r>
             <a:r>
               <a:rPr lang="en-US" sz="1800" dirty="0"/>
@@ -5869,7 +5883,6 @@
               <a:rPr lang="en-US" sz="1800" dirty="0" smtClean="0"/>
               <a:t>’</a:t>
             </a:r>
-            <a:endParaRPr lang="en-US" sz="1800" dirty="0" smtClean="0"/>
           </a:p>
           <a:p>
             <a:r>
@@ -6183,11 +6196,7 @@
             </a:pPr>
             <a:r>
               <a:rPr lang="en-US" sz="1700" dirty="0" smtClean="0"/>
-              <a:t>Use </a:t>
-            </a:r>
-            <a:r>
-              <a:rPr lang="en-US" sz="1700" dirty="0" smtClean="0"/>
-              <a:t>phrase2vec with different </a:t>
+              <a:t>Use phrase2vec with different </a:t>
             </a:r>
             <a:r>
               <a:rPr lang="en-US" sz="1700" dirty="0" err="1" smtClean="0"/>
@@ -6195,23 +6204,7 @@
             </a:r>
             <a:r>
               <a:rPr lang="en-US" sz="1700" dirty="0" smtClean="0"/>
-              <a:t>: character-level</a:t>
-            </a:r>
-            <a:r>
-              <a:rPr lang="en-US" sz="1700" dirty="0" smtClean="0"/>
-              <a:t>, </a:t>
-            </a:r>
-            <a:r>
-              <a:rPr lang="en-US" sz="1700" dirty="0" smtClean="0"/>
-              <a:t>word-level</a:t>
-            </a:r>
-            <a:r>
-              <a:rPr lang="en-US" sz="1700" dirty="0" smtClean="0"/>
-              <a:t>, </a:t>
-            </a:r>
-            <a:r>
-              <a:rPr lang="en-US" sz="1700" dirty="0" smtClean="0"/>
-              <a:t>phrase-level</a:t>
+              <a:t>: character-level, word-level, phrase-level</a:t>
             </a:r>
             <a:endParaRPr lang="en-US" sz="1700" dirty="0"/>
           </a:p>
@@ -6246,7 +6239,6 @@
               <a:rPr lang="en-US" sz="1700" dirty="0" smtClean="0"/>
               <a:t>50</a:t>
             </a:r>
-            <a:endParaRPr lang="en-US" sz="1700" dirty="0" smtClean="0"/>
           </a:p>
           <a:p>
             <a:r>
@@ -6303,11 +6295,7 @@
             </a:pPr>
             <a:r>
               <a:rPr lang="en-US" sz="2000" dirty="0" smtClean="0"/>
-              <a:t>Step 4: Hyper-parameter </a:t>
-            </a:r>
-            <a:r>
-              <a:rPr lang="en-US" sz="2000" dirty="0" smtClean="0"/>
-              <a:t>Tuning </a:t>
+              <a:t>Step 4: Hyper-parameter Tuning </a:t>
             </a:r>
           </a:p>
           <a:p>
@@ -6334,11 +6322,7 @@
             </a:r>
             <a:r>
               <a:rPr lang="en-US" sz="1600" dirty="0" smtClean="0"/>
-              <a:t>onsidered bi-directional </a:t>
-            </a:r>
-            <a:r>
-              <a:rPr lang="en-US" sz="1600" dirty="0" smtClean="0"/>
-              <a:t>LSTM</a:t>
+              <a:t>onsidered bi-directional LSTM</a:t>
             </a:r>
           </a:p>
           <a:p>
@@ -6781,15 +6765,7 @@
                   <a:schemeClr val="tx1"/>
                 </a:solidFill>
               </a:rPr>
-              <a:t>Convolutional </a:t>
-            </a:r>
-            <a:r>
-              <a:rPr lang="en-US" sz="2000" u="sng" dirty="0" smtClean="0">
-                <a:solidFill>
-                  <a:schemeClr val="tx1"/>
-                </a:solidFill>
-              </a:rPr>
-              <a:t>NNs:</a:t>
+              <a:t>Convolutional NNs:</a:t>
             </a:r>
             <a:r>
               <a:rPr lang="en-US" sz="2000" dirty="0" smtClean="0">
@@ -7182,11 +7158,7 @@
             </a:pPr>
             <a:r>
               <a:rPr lang="en-US" kern="0" dirty="0" smtClean="0"/>
-              <a:t>Character </a:t>
-            </a:r>
-            <a:r>
-              <a:rPr lang="en-US" kern="0" dirty="0" smtClean="0"/>
-              <a:t>level embedding with CNN</a:t>
+              <a:t>Character level embedding with CNN</a:t>
             </a:r>
           </a:p>
           <a:p>
@@ -7278,14 +7250,14 @@
           </a:ln>
           <a:extLst>
             <a:ext uri="{909E8E84-426E-40dd-AFC4-6F175D3DCCD1}">
-              <a14:hiddenFill xmlns:a14="http://schemas.microsoft.com/office/drawing/2010/main" xmlns="">
+              <a14:hiddenFill xmlns="" xmlns:a14="http://schemas.microsoft.com/office/drawing/2010/main">
                 <a:solidFill>
                   <a:srgbClr val="FFFFFF"/>
                 </a:solidFill>
               </a14:hiddenFill>
             </a:ext>
             <a:ext uri="{91240B29-F687-4f45-9708-019B960494DF}">
-              <a14:hiddenLine xmlns:a14="http://schemas.microsoft.com/office/drawing/2010/main" xmlns="" w="9525">
+              <a14:hiddenLine xmlns="" xmlns:a14="http://schemas.microsoft.com/office/drawing/2010/main" w="9525">
                 <a:solidFill>
                   <a:srgbClr val="000000"/>
                 </a:solidFill>
@@ -7784,14 +7756,14 @@
           </a:ln>
           <a:extLst>
             <a:ext uri="{909E8E84-426E-40dd-AFC4-6F175D3DCCD1}">
-              <a14:hiddenFill xmlns:a14="http://schemas.microsoft.com/office/drawing/2010/main" xmlns="">
+              <a14:hiddenFill xmlns="" xmlns:a14="http://schemas.microsoft.com/office/drawing/2010/main">
                 <a:solidFill>
                   <a:srgbClr val="FFFFFF"/>
                 </a:solidFill>
               </a14:hiddenFill>
             </a:ext>
             <a:ext uri="{91240B29-F687-4f45-9708-019B960494DF}">
-              <a14:hiddenLine xmlns:a14="http://schemas.microsoft.com/office/drawing/2010/main" xmlns="" w="9525">
+              <a14:hiddenLine xmlns="" xmlns:a14="http://schemas.microsoft.com/office/drawing/2010/main" w="9525">
                 <a:solidFill>
                   <a:srgbClr val="000000"/>
                 </a:solidFill>
@@ -8110,7 +8082,7 @@
         <a:effectLst/>
         <a:extLst>
           <a:ext uri="{AF507438-7753-43e0-B8FC-AC1667EBCBE1}">
-            <a14:hiddenEffects xmlns:a14="http://schemas.microsoft.com/office/drawing/2010/main" xmlns="">
+            <a14:hiddenEffects xmlns="" xmlns:a14="http://schemas.microsoft.com/office/drawing/2010/main">
               <a:effectLst>
                 <a:outerShdw dist="35921" dir="2700000" algn="ctr" rotWithShape="0">
                   <a:schemeClr val="bg2"/>
@@ -8183,7 +8155,7 @@
         <a:effectLst/>
         <a:extLst>
           <a:ext uri="{AF507438-7753-43e0-B8FC-AC1667EBCBE1}">
-            <a14:hiddenEffects xmlns:a14="http://schemas.microsoft.com/office/drawing/2010/main" xmlns="">
+            <a14:hiddenEffects xmlns="" xmlns:a14="http://schemas.microsoft.com/office/drawing/2010/main">
               <a:effectLst>
                 <a:outerShdw dist="35921" dir="2700000" algn="ctr" rotWithShape="0">
                   <a:schemeClr val="bg2"/>

--- a/Convectional Neural Networks Final Presentation.pptx
+++ b/Convectional Neural Networks Final Presentation.pptx
@@ -5,25 +5,26 @@
     <p:sldMasterId id="2147484056" r:id="rId1"/>
   </p:sldMasterIdLst>
   <p:notesMasterIdLst>
-    <p:notesMasterId r:id="rId15"/>
+    <p:notesMasterId r:id="rId16"/>
   </p:notesMasterIdLst>
   <p:handoutMasterIdLst>
-    <p:handoutMasterId r:id="rId16"/>
+    <p:handoutMasterId r:id="rId17"/>
   </p:handoutMasterIdLst>
   <p:sldIdLst>
     <p:sldId id="256" r:id="rId2"/>
     <p:sldId id="257" r:id="rId3"/>
-    <p:sldId id="258" r:id="rId4"/>
-    <p:sldId id="259" r:id="rId5"/>
-    <p:sldId id="267" r:id="rId6"/>
-    <p:sldId id="260" r:id="rId7"/>
-    <p:sldId id="265" r:id="rId8"/>
-    <p:sldId id="261" r:id="rId9"/>
-    <p:sldId id="269" r:id="rId10"/>
-    <p:sldId id="270" r:id="rId11"/>
-    <p:sldId id="266" r:id="rId12"/>
-    <p:sldId id="262" r:id="rId13"/>
-    <p:sldId id="263" r:id="rId14"/>
+    <p:sldId id="271" r:id="rId4"/>
+    <p:sldId id="258" r:id="rId5"/>
+    <p:sldId id="259" r:id="rId6"/>
+    <p:sldId id="267" r:id="rId7"/>
+    <p:sldId id="260" r:id="rId8"/>
+    <p:sldId id="265" r:id="rId9"/>
+    <p:sldId id="261" r:id="rId10"/>
+    <p:sldId id="269" r:id="rId11"/>
+    <p:sldId id="270" r:id="rId12"/>
+    <p:sldId id="266" r:id="rId13"/>
+    <p:sldId id="262" r:id="rId14"/>
+    <p:sldId id="263" r:id="rId15"/>
   </p:sldIdLst>
   <p:sldSz cx="9144000" cy="6858000" type="screen4x3"/>
   <p:notesSz cx="6881813" cy="9296400"/>
@@ -159,6 +160,7 @@
           <p14:sldIdLst>
             <p14:sldId id="256"/>
             <p14:sldId id="257"/>
+            <p14:sldId id="271"/>
             <p14:sldId id="258"/>
             <p14:sldId id="259"/>
             <p14:sldId id="267"/>
@@ -639,7 +641,7 @@
           </a:ln>
           <a:extLst>
             <a:ext uri="{909E8E84-426E-40dd-AFC4-6F175D3DCCD1}">
-              <a14:hiddenFill xmlns:a14="http://schemas.microsoft.com/office/drawing/2010/main" xmlns="">
+              <a14:hiddenFill xmlns="" xmlns:a14="http://schemas.microsoft.com/office/drawing/2010/main">
                 <a:solidFill>
                   <a:srgbClr val="FFFFFF"/>
                 </a:solidFill>
@@ -1020,7 +1022,7 @@
               <a:pPr>
                 <a:defRPr/>
               </a:pPr>
-              <a:t>8</a:t>
+              <a:t>9</a:t>
             </a:fld>
             <a:endParaRPr lang="en-US" altLang="en-US"/>
           </a:p>
@@ -1091,14 +1093,14 @@
           </a:ln>
           <a:extLst>
             <a:ext uri="{909E8E84-426E-40dd-AFC4-6F175D3DCCD1}">
-              <a14:hiddenFill xmlns="" xmlns:a14="http://schemas.microsoft.com/office/drawing/2010/main">
+              <a14:hiddenFill xmlns:a14="http://schemas.microsoft.com/office/drawing/2010/main" xmlns="">
                 <a:solidFill>
                   <a:srgbClr val="FFFFFF"/>
                 </a:solidFill>
               </a14:hiddenFill>
             </a:ext>
             <a:ext uri="{91240B29-F687-4f45-9708-019B960494DF}">
-              <a14:hiddenLine xmlns="" xmlns:a14="http://schemas.microsoft.com/office/drawing/2010/main" w="9525">
+              <a14:hiddenLine xmlns:a14="http://schemas.microsoft.com/office/drawing/2010/main" xmlns="" w="9525">
                 <a:solidFill>
                   <a:srgbClr val="000000"/>
                 </a:solidFill>
@@ -1132,14 +1134,14 @@
           </a:ln>
           <a:extLst>
             <a:ext uri="{909E8E84-426E-40dd-AFC4-6F175D3DCCD1}">
-              <a14:hiddenFill xmlns="" xmlns:a14="http://schemas.microsoft.com/office/drawing/2010/main">
+              <a14:hiddenFill xmlns:a14="http://schemas.microsoft.com/office/drawing/2010/main" xmlns="">
                 <a:solidFill>
                   <a:srgbClr val="FFFFFF"/>
                 </a:solidFill>
               </a14:hiddenFill>
             </a:ext>
             <a:ext uri="{91240B29-F687-4f45-9708-019B960494DF}">
-              <a14:hiddenLine xmlns="" xmlns:a14="http://schemas.microsoft.com/office/drawing/2010/main" w="9525">
+              <a14:hiddenLine xmlns:a14="http://schemas.microsoft.com/office/drawing/2010/main" xmlns="" w="9525">
                 <a:solidFill>
                   <a:srgbClr val="000000"/>
                 </a:solidFill>
@@ -1288,7 +1290,7 @@
           </a:ln>
           <a:extLst>
             <a:ext uri="{909E8E84-426E-40dd-AFC4-6F175D3DCCD1}">
-              <a14:hiddenFill xmlns="" xmlns:a14="http://schemas.microsoft.com/office/drawing/2010/main">
+              <a14:hiddenFill xmlns:a14="http://schemas.microsoft.com/office/drawing/2010/main" xmlns="">
                 <a:noFill/>
               </a14:hiddenFill>
             </a:ext>
@@ -1329,7 +1331,7 @@
           </a:ln>
           <a:extLst>
             <a:ext uri="{909E8E84-426E-40dd-AFC4-6F175D3DCCD1}">
-              <a14:hiddenFill xmlns="" xmlns:a14="http://schemas.microsoft.com/office/drawing/2010/main">
+              <a14:hiddenFill xmlns:a14="http://schemas.microsoft.com/office/drawing/2010/main" xmlns="">
                 <a:noFill/>
               </a14:hiddenFill>
             </a:ext>
@@ -1370,7 +1372,7 @@
           </a:ln>
           <a:extLst>
             <a:ext uri="{909E8E84-426E-40dd-AFC4-6F175D3DCCD1}">
-              <a14:hiddenFill xmlns="" xmlns:a14="http://schemas.microsoft.com/office/drawing/2010/main">
+              <a14:hiddenFill xmlns:a14="http://schemas.microsoft.com/office/drawing/2010/main" xmlns="">
                 <a:solidFill>
                   <a:srgbClr val="FFFFFF"/>
                 </a:solidFill>
@@ -1513,7 +1515,7 @@
           </a:ln>
           <a:extLst>
             <a:ext uri="{909E8E84-426E-40dd-AFC4-6F175D3DCCD1}">
-              <a14:hiddenFill xmlns="" xmlns:a14="http://schemas.microsoft.com/office/drawing/2010/main">
+              <a14:hiddenFill xmlns:a14="http://schemas.microsoft.com/office/drawing/2010/main" xmlns="">
                 <a:solidFill>
                   <a:srgbClr val="FFFFFF"/>
                 </a:solidFill>
@@ -3414,14 +3416,14 @@
           </a:ln>
           <a:extLst>
             <a:ext uri="{909E8E84-426E-40dd-AFC4-6F175D3DCCD1}">
-              <a14:hiddenFill xmlns="" xmlns:a14="http://schemas.microsoft.com/office/drawing/2010/main">
+              <a14:hiddenFill xmlns:a14="http://schemas.microsoft.com/office/drawing/2010/main" xmlns="">
                 <a:solidFill>
                   <a:srgbClr val="FFFFFF"/>
                 </a:solidFill>
               </a14:hiddenFill>
             </a:ext>
             <a:ext uri="{91240B29-F687-4f45-9708-019B960494DF}">
-              <a14:hiddenLine xmlns="" xmlns:a14="http://schemas.microsoft.com/office/drawing/2010/main" w="9525">
+              <a14:hiddenLine xmlns:a14="http://schemas.microsoft.com/office/drawing/2010/main" xmlns="" w="9525">
                 <a:solidFill>
                   <a:srgbClr val="000000"/>
                 </a:solidFill>
@@ -3457,14 +3459,14 @@
           </a:ln>
           <a:extLst>
             <a:ext uri="{909E8E84-426E-40dd-AFC4-6F175D3DCCD1}">
-              <a14:hiddenFill xmlns="" xmlns:a14="http://schemas.microsoft.com/office/drawing/2010/main">
+              <a14:hiddenFill xmlns:a14="http://schemas.microsoft.com/office/drawing/2010/main" xmlns="">
                 <a:solidFill>
                   <a:srgbClr val="FFFFFF"/>
                 </a:solidFill>
               </a14:hiddenFill>
             </a:ext>
             <a:ext uri="{91240B29-F687-4f45-9708-019B960494DF}">
-              <a14:hiddenLine xmlns="" xmlns:a14="http://schemas.microsoft.com/office/drawing/2010/main" w="9525">
+              <a14:hiddenLine xmlns:a14="http://schemas.microsoft.com/office/drawing/2010/main" xmlns="" w="9525">
                 <a:solidFill>
                   <a:srgbClr val="000000"/>
                 </a:solidFill>
@@ -3515,14 +3517,14 @@
           </a:ln>
           <a:extLst>
             <a:ext uri="{909E8E84-426E-40dd-AFC4-6F175D3DCCD1}">
-              <a14:hiddenFill xmlns="" xmlns:a14="http://schemas.microsoft.com/office/drawing/2010/main">
+              <a14:hiddenFill xmlns:a14="http://schemas.microsoft.com/office/drawing/2010/main" xmlns="">
                 <a:solidFill>
                   <a:srgbClr val="FFFFFF"/>
                 </a:solidFill>
               </a14:hiddenFill>
             </a:ext>
             <a:ext uri="{91240B29-F687-4f45-9708-019B960494DF}">
-              <a14:hiddenLine xmlns="" xmlns:a14="http://schemas.microsoft.com/office/drawing/2010/main" w="9525">
+              <a14:hiddenLine xmlns:a14="http://schemas.microsoft.com/office/drawing/2010/main" xmlns="" w="9525">
                 <a:solidFill>
                   <a:srgbClr val="000000"/>
                 </a:solidFill>
@@ -3576,7 +3578,7 @@
           </a:ln>
           <a:extLst>
             <a:ext uri="{909E8E84-426E-40dd-AFC4-6F175D3DCCD1}">
-              <a14:hiddenFill xmlns="" xmlns:a14="http://schemas.microsoft.com/office/drawing/2010/main">
+              <a14:hiddenFill xmlns:a14="http://schemas.microsoft.com/office/drawing/2010/main" xmlns="">
                 <a:noFill/>
               </a14:hiddenFill>
             </a:ext>
@@ -3617,7 +3619,7 @@
           <a:effectLst/>
           <a:extLst>
             <a:ext uri="{AF507438-7753-43e0-B8FC-AC1667EBCBE1}">
-              <a14:hiddenEffects xmlns="" xmlns:a14="http://schemas.microsoft.com/office/drawing/2010/main">
+              <a14:hiddenEffects xmlns:a14="http://schemas.microsoft.com/office/drawing/2010/main" xmlns="">
                 <a:effectLst>
                   <a:outerShdw dist="35921" dir="2700000" algn="ctr" rotWithShape="0">
                     <a:schemeClr val="bg2"/>
@@ -4173,14 +4175,14 @@
           </a:ln>
           <a:extLst>
             <a:ext uri="{909E8E84-426E-40dd-AFC4-6F175D3DCCD1}">
-              <a14:hiddenFill xmlns:a14="http://schemas.microsoft.com/office/drawing/2010/main" xmlns="">
+              <a14:hiddenFill xmlns="" xmlns:a14="http://schemas.microsoft.com/office/drawing/2010/main">
                 <a:solidFill>
                   <a:srgbClr val="FFFFFF"/>
                 </a:solidFill>
               </a14:hiddenFill>
             </a:ext>
             <a:ext uri="{91240B29-F687-4f45-9708-019B960494DF}">
-              <a14:hiddenLine xmlns:a14="http://schemas.microsoft.com/office/drawing/2010/main" xmlns="" w="9525">
+              <a14:hiddenLine xmlns="" xmlns:a14="http://schemas.microsoft.com/office/drawing/2010/main" w="9525">
                 <a:solidFill>
                   <a:srgbClr val="000000"/>
                 </a:solidFill>
@@ -4441,7 +4443,7 @@
           <a:p>
             <a:r>
               <a:rPr lang="en-US" dirty="0" smtClean="0"/>
-              <a:t>Results 3</a:t>
+              <a:t>Results 2</a:t>
             </a:r>
             <a:endParaRPr lang="en-US" dirty="0"/>
           </a:p>
@@ -4642,142 +4644,197 @@
               <a:buNone/>
             </a:pPr>
             <a:r>
-              <a:rPr lang="en-US" sz="2000" b="1" u="sng" dirty="0" smtClean="0"/>
-              <a:t>Example output</a:t>
-            </a:r>
-          </a:p>
-          <a:p>
-            <a:pPr>
-              <a:buClrTx/>
-            </a:pPr>
-            <a:r>
-              <a:rPr lang="en-US" sz="1800" b="1" dirty="0" smtClean="0">
-                <a:solidFill>
-                  <a:schemeClr val="tx1"/>
-                </a:solidFill>
-              </a:rPr>
-              <a:t>Character-level: </a:t>
-            </a:r>
-            <a:r>
-              <a:rPr lang="en-US" sz="1800" dirty="0">
-                <a:solidFill>
-                  <a:schemeClr val="tx1"/>
-                </a:solidFill>
-              </a:rPr>
-              <a:t>1/2 tsp. baking soda,1 tsp. vanilla extract,1 cup all purpose flour,1 teaspoon baking soda,1 teaspoon salt,6 tablespoons brown sugar,2 cups candy covered plus  1/4 finely diced,1/2 cup firmly packed brown sugar,1 egg  1 3/4 cups sugar,2 la 1/2 tsp. baking soda,1 tsp. vanilla extract  2 cups chocolate chips,1/2 cup agave nectar,1 teaspoon coconut extract ,1 teaspoon salt,1 cup </a:t>
-            </a:r>
-            <a:r>
-              <a:rPr lang="en-US" sz="1800" dirty="0" err="1">
-                <a:solidFill>
-                  <a:schemeClr val="tx1"/>
-                </a:solidFill>
-              </a:rPr>
-              <a:t>nutella</a:t>
-            </a:r>
-            <a:r>
-              <a:rPr lang="en-US" sz="1800" dirty="0">
-                <a:solidFill>
-                  <a:schemeClr val="tx1"/>
-                </a:solidFill>
-              </a:rPr>
-              <a:t>, 1/2 cup rainbow sprinkles of chopped nuts,1/3 cup chocolate hot cocoa powder,1 tsp vanilla </a:t>
-            </a:r>
-            <a:endParaRPr lang="en-US" sz="1800" dirty="0" smtClean="0">
+              <a:rPr lang="en-US" dirty="0"/>
+              <a:t>Character level embedding with LSTM</a:t>
+            </a:r>
+            <a:endParaRPr lang="en-US" dirty="0">
               <a:solidFill>
-                <a:schemeClr val="tx1"/>
+                <a:srgbClr val="FF0000"/>
               </a:solidFill>
             </a:endParaRPr>
           </a:p>
           <a:p>
-            <a:pPr>
-              <a:buClrTx/>
-            </a:pPr>
-            <a:r>
-              <a:rPr lang="en-US" sz="1800" b="1" dirty="0" smtClean="0">
-                <a:solidFill>
-                  <a:schemeClr val="tx1"/>
-                </a:solidFill>
-              </a:rPr>
-              <a:t>Word-level</a:t>
-            </a:r>
-            <a:r>
-              <a:rPr lang="en-US" sz="1800" dirty="0" smtClean="0">
-                <a:solidFill>
-                  <a:schemeClr val="tx1"/>
-                </a:solidFill>
-              </a:rPr>
-              <a:t>: </a:t>
-            </a:r>
-            <a:r>
-              <a:rPr lang="en-US" sz="1800" dirty="0">
-                <a:solidFill>
-                  <a:schemeClr val="tx1"/>
-                </a:solidFill>
-              </a:rPr>
-              <a:t>Chocolate Biscuit syrup light cold of syrup 3 tablespoons soft oil 2 cups water 3/4 cup sugar 1/2 cup butter softened 2 tablespoons milk 1 teaspoon baking powder 1/2 teaspoon </a:t>
-            </a:r>
-            <a:r>
-              <a:rPr lang="en-US" sz="1800" dirty="0" smtClean="0">
-                <a:solidFill>
-                  <a:schemeClr val="tx1"/>
-                </a:solidFill>
-              </a:rPr>
-              <a:t>salt</a:t>
-            </a:r>
-            <a:endParaRPr lang="en-US" sz="1800" dirty="0">
-              <a:solidFill>
-                <a:schemeClr val="tx1"/>
-              </a:solidFill>
-            </a:endParaRPr>
-          </a:p>
-          <a:p>
-            <a:pPr>
-              <a:buClrTx/>
-            </a:pPr>
-            <a:r>
-              <a:rPr lang="en-US" sz="1800" b="1" dirty="0" smtClean="0">
-                <a:solidFill>
-                  <a:schemeClr val="tx1"/>
-                </a:solidFill>
-              </a:rPr>
-              <a:t>Phrase-level</a:t>
-            </a:r>
-            <a:r>
-              <a:rPr lang="en-US" sz="1800" b="1" dirty="0">
-                <a:solidFill>
-                  <a:schemeClr val="tx1"/>
-                </a:solidFill>
-              </a:rPr>
-              <a:t>:</a:t>
-            </a:r>
-            <a:r>
-              <a:rPr lang="en-US" sz="1800" dirty="0">
-                <a:solidFill>
-                  <a:schemeClr val="tx1"/>
-                </a:solidFill>
-              </a:rPr>
-              <a:t>  1/2 cup soy or coconut vanilla flavored creamer  2 teaspoons of vanilla extract 2 teaspoons vanilla essence   1 flax egg  2 tablespoons egg or whey chocolate protein powder  2 large egg yolks at room temperature 1/3 cup dark chocolate chips 1 cup semi sweet chocolate chips  3/4 cups granulated </a:t>
-            </a:r>
-            <a:r>
-              <a:rPr lang="en-US" sz="1800" dirty="0" smtClean="0">
-                <a:solidFill>
-                  <a:schemeClr val="tx1"/>
-                </a:solidFill>
-              </a:rPr>
-              <a:t>sugar</a:t>
-            </a:r>
-            <a:endParaRPr lang="en-US" sz="1800" dirty="0">
-              <a:solidFill>
-                <a:schemeClr val="tx1"/>
-              </a:solidFill>
-            </a:endParaRPr>
+            <a:endParaRPr lang="en-US" kern="0" dirty="0"/>
+          </a:p>
+          <a:p>
+            <a:endParaRPr lang="en-US" kern="0" dirty="0" smtClean="0"/>
+          </a:p>
+          <a:p>
+            <a:endParaRPr lang="en-US" kern="0" dirty="0"/>
+          </a:p>
+          <a:p>
+            <a:endParaRPr lang="en-US" kern="0" dirty="0" smtClean="0"/>
+          </a:p>
+          <a:p>
+            <a:endParaRPr lang="en-US" kern="0" dirty="0"/>
+          </a:p>
+          <a:p>
+            <a:endParaRPr lang="en-US" kern="0" dirty="0" smtClean="0"/>
+          </a:p>
+          <a:p>
+            <a:endParaRPr lang="en-US" kern="0" dirty="0"/>
+          </a:p>
+          <a:p>
+            <a:endParaRPr lang="en-US" kern="0" dirty="0"/>
           </a:p>
         </p:txBody>
       </p:sp>
+      <p:sp>
+        <p:nvSpPr>
+          <p:cNvPr id="15" name="TextBox 14"/>
+          <p:cNvSpPr txBox="1"/>
+          <p:nvPr/>
+        </p:nvSpPr>
+        <p:spPr>
+          <a:xfrm>
+            <a:off x="965709" y="5491176"/>
+            <a:ext cx="2488182" cy="307777"/>
+          </a:xfrm>
+          <a:prstGeom prst="rect">
+            <a:avLst/>
+          </a:prstGeom>
+          <a:noFill/>
+        </p:spPr>
+        <p:txBody>
+          <a:bodyPr wrap="none" rtlCol="0">
+            <a:spAutoFit/>
+          </a:bodyPr>
+          <a:lstStyle/>
+          <a:p>
+            <a:pPr lvl="0"/>
+            <a:r>
+              <a:rPr lang="en-US" sz="1400" dirty="0"/>
+              <a:t>Heat map with diversity = </a:t>
+            </a:r>
+            <a:r>
+              <a:rPr lang="en-US" sz="1400" dirty="0" smtClean="0"/>
+              <a:t>0.2</a:t>
+            </a:r>
+            <a:endParaRPr lang="en-US" sz="1400" dirty="0"/>
+          </a:p>
+        </p:txBody>
+      </p:sp>
+      <p:sp>
+        <p:nvSpPr>
+          <p:cNvPr id="16" name="TextBox 15"/>
+          <p:cNvSpPr txBox="1"/>
+          <p:nvPr/>
+        </p:nvSpPr>
+        <p:spPr>
+          <a:xfrm>
+            <a:off x="5257800" y="5482100"/>
+            <a:ext cx="2488182" cy="307777"/>
+          </a:xfrm>
+          <a:prstGeom prst="rect">
+            <a:avLst/>
+          </a:prstGeom>
+          <a:noFill/>
+        </p:spPr>
+        <p:txBody>
+          <a:bodyPr wrap="none" rtlCol="0">
+            <a:spAutoFit/>
+          </a:bodyPr>
+          <a:lstStyle/>
+          <a:p>
+            <a:pPr lvl="0"/>
+            <a:r>
+              <a:rPr lang="en-US" sz="1400" dirty="0"/>
+              <a:t>Heat map with diversity = 1</a:t>
+            </a:r>
+            <a:r>
+              <a:rPr lang="en-US" sz="1400" dirty="0" smtClean="0"/>
+              <a:t>.2</a:t>
+            </a:r>
+            <a:endParaRPr lang="en-US" sz="1400" dirty="0"/>
+          </a:p>
+        </p:txBody>
+      </p:sp>
+      <p:pic>
+        <p:nvPicPr>
+          <p:cNvPr id="9" name="Content Placeholder 7"/>
+          <p:cNvPicPr>
+            <a:picLocks noGrp="1" noChangeAspect="1"/>
+          </p:cNvPicPr>
+          <p:nvPr>
+            <p:ph idx="1"/>
+          </p:nvPr>
+        </p:nvPicPr>
+        <p:blipFill>
+          <a:blip r:embed="rId2">
+            <a:extLst>
+              <a:ext uri="{28A0092B-C50C-407E-A947-70E740481C1C}">
+                <a14:useLocalDpi xmlns:a14="http://schemas.microsoft.com/office/drawing/2010/main" val="0"/>
+              </a:ext>
+            </a:extLst>
+          </a:blip>
+          <a:stretch>
+            <a:fillRect/>
+          </a:stretch>
+        </p:blipFill>
+        <p:spPr>
+          <a:xfrm>
+            <a:off x="76200" y="2090928"/>
+            <a:ext cx="4828032" cy="3319272"/>
+          </a:xfrm>
+        </p:spPr>
+      </p:pic>
+      <p:pic>
+        <p:nvPicPr>
+          <p:cNvPr id="10" name="Content Placeholder 7"/>
+          <p:cNvPicPr>
+            <a:picLocks noChangeAspect="1"/>
+          </p:cNvPicPr>
+          <p:nvPr/>
+        </p:nvPicPr>
+        <p:blipFill>
+          <a:blip r:embed="rId3">
+            <a:extLst>
+              <a:ext uri="{28A0092B-C50C-407E-A947-70E740481C1C}">
+                <a14:useLocalDpi xmlns:a14="http://schemas.microsoft.com/office/drawing/2010/main" val="0"/>
+              </a:ext>
+            </a:extLst>
+          </a:blip>
+          <a:stretch>
+            <a:fillRect/>
+          </a:stretch>
+        </p:blipFill>
+        <p:spPr bwMode="auto">
+          <a:xfrm>
+            <a:off x="4330191" y="2057400"/>
+            <a:ext cx="4828032" cy="3319272"/>
+          </a:xfrm>
+          <a:prstGeom prst="rect">
+            <a:avLst/>
+          </a:prstGeom>
+          <a:noFill/>
+          <a:ln>
+            <a:noFill/>
+          </a:ln>
+          <a:extLst>
+            <a:ext uri="{909E8E84-426E-40dd-AFC4-6F175D3DCCD1}">
+              <a14:hiddenFill xmlns:a14="http://schemas.microsoft.com/office/drawing/2010/main" xmlns="">
+                <a:solidFill>
+                  <a:srgbClr val="FFFFFF"/>
+                </a:solidFill>
+              </a14:hiddenFill>
+            </a:ext>
+            <a:ext uri="{91240B29-F687-4f45-9708-019B960494DF}">
+              <a14:hiddenLine xmlns:a14="http://schemas.microsoft.com/office/drawing/2010/main" xmlns="" w="9525">
+                <a:solidFill>
+                  <a:srgbClr val="000000"/>
+                </a:solidFill>
+                <a:miter lim="800000"/>
+                <a:headEnd/>
+                <a:tailEnd/>
+              </a14:hiddenLine>
+            </a:ext>
+          </a:extLst>
+        </p:spPr>
+      </p:pic>
     </p:spTree>
     <p:extLst>
       <p:ext uri="{BB962C8B-B14F-4D97-AF65-F5344CB8AC3E}">
-        <p14:creationId xmlns:p14="http://schemas.microsoft.com/office/powerpoint/2010/main" val="1446155532"/>
+        <p14:creationId xmlns:p14="http://schemas.microsoft.com/office/powerpoint/2010/main" val="7339525"/>
       </p:ext>
     </p:extLst>
   </p:cSld>
@@ -4821,118 +4878,344 @@
           <a:lstStyle/>
           <a:p>
             <a:r>
-              <a:rPr lang="en-US" dirty="0"/>
-              <a:t>Results 4</a:t>
-            </a:r>
+              <a:rPr lang="en-US" dirty="0" smtClean="0"/>
+              <a:t>Results 3</a:t>
+            </a:r>
+            <a:endParaRPr lang="en-US" dirty="0"/>
           </a:p>
         </p:txBody>
       </p:sp>
       <p:sp>
         <p:nvSpPr>
-          <p:cNvPr id="3" name="Content Placeholder 2"/>
-          <p:cNvSpPr>
-            <a:spLocks noGrp="1"/>
+          <p:cNvPr id="5" name="Content Placeholder 5"/>
+          <p:cNvSpPr txBox="1">
+            <a:spLocks/>
           </p:cNvSpPr>
-          <p:nvPr>
-            <p:ph idx="1"/>
-          </p:nvPr>
+          <p:nvPr/>
         </p:nvSpPr>
-        <p:spPr/>
+        <p:spPr>
+          <a:xfrm>
+            <a:off x="762000" y="1371600"/>
+            <a:ext cx="7696200" cy="4538610"/>
+          </a:xfrm>
+          <a:prstGeom prst="rect">
+            <a:avLst/>
+          </a:prstGeom>
+        </p:spPr>
         <p:txBody>
           <a:bodyPr/>
-          <a:lstStyle/>
-          <a:p>
-            <a:r>
-              <a:rPr lang="en-US" sz="1800" dirty="0"/>
-              <a:t>Why can we trust your model</a:t>
-            </a:r>
-            <a:r>
-              <a:rPr lang="en-US" sz="1800" dirty="0" smtClean="0"/>
-              <a:t>?</a:t>
-            </a:r>
-          </a:p>
-          <a:p>
-            <a:pPr lvl="1"/>
-            <a:r>
-              <a:rPr lang="en-US" sz="1800" dirty="0" smtClean="0"/>
-              <a:t>By the scope of our project, the output requires human validation because it does not include directions on how to bake the recipe</a:t>
-            </a:r>
-          </a:p>
-          <a:p>
-            <a:pPr lvl="1"/>
-            <a:r>
-              <a:rPr lang="en-US" sz="1800" dirty="0"/>
-              <a:t>The generated output does not closely mimic the seed recipe, so it is not </a:t>
-            </a:r>
-            <a:r>
-              <a:rPr lang="en-US" sz="1800" dirty="0" smtClean="0"/>
-              <a:t>overfitting</a:t>
-            </a:r>
-          </a:p>
-          <a:p>
-            <a:pPr lvl="1"/>
-            <a:r>
-              <a:rPr lang="en-US" sz="1800" dirty="0" err="1" smtClean="0"/>
-              <a:t>Heatmaps</a:t>
-            </a:r>
-            <a:r>
-              <a:rPr lang="en-US" sz="1800" dirty="0" smtClean="0"/>
-              <a:t> provide insight into what the model is ‘thinking’</a:t>
-            </a:r>
-          </a:p>
-          <a:p>
-            <a:r>
-              <a:rPr lang="en-US" sz="1800" dirty="0" smtClean="0"/>
-              <a:t>What </a:t>
-            </a:r>
-            <a:r>
-              <a:rPr lang="en-US" sz="1800" dirty="0"/>
-              <a:t>are the strengths of the model</a:t>
-            </a:r>
-            <a:r>
-              <a:rPr lang="en-US" sz="1800" dirty="0" smtClean="0"/>
-              <a:t>?</a:t>
-            </a:r>
-          </a:p>
-          <a:p>
-            <a:pPr lvl="1"/>
-            <a:r>
-              <a:rPr lang="en-US" sz="1800" dirty="0" smtClean="0"/>
-              <a:t>Does well predicting around numbers</a:t>
-            </a:r>
-          </a:p>
-          <a:p>
-            <a:pPr lvl="1"/>
-            <a:r>
-              <a:rPr lang="en-US" sz="1800" dirty="0" smtClean="0"/>
-              <a:t>Once it selects the first letter, it becomes more sure</a:t>
-            </a:r>
-            <a:endParaRPr lang="en-US" sz="1800" dirty="0"/>
-          </a:p>
-          <a:p>
-            <a:r>
-              <a:rPr lang="en-US" sz="1800" dirty="0"/>
-              <a:t>Where does the model fall short</a:t>
-            </a:r>
-            <a:r>
-              <a:rPr lang="en-US" sz="1800" dirty="0" smtClean="0"/>
-              <a:t>?</a:t>
-            </a:r>
-          </a:p>
-          <a:p>
-            <a:pPr lvl="1"/>
-            <a:r>
-              <a:rPr lang="en-US" sz="1800" dirty="0" smtClean="0"/>
-              <a:t>Struggles to pick the next word (least sure on the first letter of a new word)</a:t>
-            </a:r>
-            <a:endParaRPr lang="en-US" sz="1800" dirty="0"/>
+          <a:lstStyle>
+            <a:lvl1pPr marL="342900" indent="-342900" algn="l" rtl="0" eaLnBrk="1" fontAlgn="base" hangingPunct="1">
+              <a:spcBef>
+                <a:spcPct val="20000"/>
+              </a:spcBef>
+              <a:spcAft>
+                <a:spcPct val="0"/>
+              </a:spcAft>
+              <a:buClr>
+                <a:schemeClr val="tx2"/>
+              </a:buClr>
+              <a:buSzPct val="65000"/>
+              <a:buFont typeface="Monotype Sorts" pitchFamily="2" charset="2"/>
+              <a:buChar char="n"/>
+              <a:defRPr kumimoji="1" sz="2800">
+                <a:solidFill>
+                  <a:srgbClr val="000000"/>
+                </a:solidFill>
+                <a:latin typeface="+mn-lt"/>
+                <a:ea typeface="+mn-ea"/>
+                <a:cs typeface="+mn-cs"/>
+              </a:defRPr>
+            </a:lvl1pPr>
+            <a:lvl2pPr marL="742950" indent="-285750" algn="l" rtl="0" eaLnBrk="1" fontAlgn="base" hangingPunct="1">
+              <a:spcBef>
+                <a:spcPct val="20000"/>
+              </a:spcBef>
+              <a:spcAft>
+                <a:spcPct val="0"/>
+              </a:spcAft>
+              <a:buClr>
+                <a:schemeClr val="tx2"/>
+              </a:buClr>
+              <a:buChar char="–"/>
+              <a:defRPr kumimoji="1" sz="2400">
+                <a:solidFill>
+                  <a:srgbClr val="000000"/>
+                </a:solidFill>
+                <a:latin typeface="+mn-lt"/>
+              </a:defRPr>
+            </a:lvl2pPr>
+            <a:lvl3pPr marL="1143000" indent="-228600" algn="l" rtl="0" eaLnBrk="1" fontAlgn="base" hangingPunct="1">
+              <a:spcBef>
+                <a:spcPct val="20000"/>
+              </a:spcBef>
+              <a:spcAft>
+                <a:spcPct val="0"/>
+              </a:spcAft>
+              <a:buClr>
+                <a:schemeClr val="tx2"/>
+              </a:buClr>
+              <a:buSzPct val="75000"/>
+              <a:buFont typeface="Monotype Sorts" pitchFamily="2" charset="2"/>
+              <a:buChar char="&lt;"/>
+              <a:defRPr kumimoji="1" sz="2000">
+                <a:solidFill>
+                  <a:srgbClr val="000000"/>
+                </a:solidFill>
+                <a:latin typeface="+mn-lt"/>
+              </a:defRPr>
+            </a:lvl3pPr>
+            <a:lvl4pPr marL="1600200" indent="-228600" algn="l" rtl="0" eaLnBrk="1" fontAlgn="base" hangingPunct="1">
+              <a:spcBef>
+                <a:spcPct val="20000"/>
+              </a:spcBef>
+              <a:spcAft>
+                <a:spcPct val="0"/>
+              </a:spcAft>
+              <a:buClr>
+                <a:schemeClr val="tx2"/>
+              </a:buClr>
+              <a:buChar char="–"/>
+              <a:defRPr kumimoji="1">
+                <a:solidFill>
+                  <a:srgbClr val="000000"/>
+                </a:solidFill>
+                <a:latin typeface="+mn-lt"/>
+              </a:defRPr>
+            </a:lvl4pPr>
+            <a:lvl5pPr marL="2057400" indent="-228600" algn="l" rtl="0" eaLnBrk="1" fontAlgn="base" hangingPunct="1">
+              <a:spcBef>
+                <a:spcPct val="20000"/>
+              </a:spcBef>
+              <a:spcAft>
+                <a:spcPct val="0"/>
+              </a:spcAft>
+              <a:buClr>
+                <a:schemeClr val="tx2"/>
+              </a:buClr>
+              <a:buChar char="–"/>
+              <a:defRPr kumimoji="1" sz="1600">
+                <a:solidFill>
+                  <a:srgbClr val="000000"/>
+                </a:solidFill>
+                <a:latin typeface="+mn-lt"/>
+              </a:defRPr>
+            </a:lvl5pPr>
+            <a:lvl6pPr marL="2514600" indent="-228600" algn="l" rtl="0" eaLnBrk="1" fontAlgn="base" hangingPunct="1">
+              <a:spcBef>
+                <a:spcPct val="20000"/>
+              </a:spcBef>
+              <a:spcAft>
+                <a:spcPct val="0"/>
+              </a:spcAft>
+              <a:buClr>
+                <a:schemeClr val="tx2"/>
+              </a:buClr>
+              <a:buChar char="–"/>
+              <a:defRPr kumimoji="1" sz="1600">
+                <a:solidFill>
+                  <a:srgbClr val="000000"/>
+                </a:solidFill>
+                <a:latin typeface="+mn-lt"/>
+              </a:defRPr>
+            </a:lvl6pPr>
+            <a:lvl7pPr marL="2971800" indent="-228600" algn="l" rtl="0" eaLnBrk="1" fontAlgn="base" hangingPunct="1">
+              <a:spcBef>
+                <a:spcPct val="20000"/>
+              </a:spcBef>
+              <a:spcAft>
+                <a:spcPct val="0"/>
+              </a:spcAft>
+              <a:buClr>
+                <a:schemeClr val="tx2"/>
+              </a:buClr>
+              <a:buChar char="–"/>
+              <a:defRPr kumimoji="1" sz="1600">
+                <a:solidFill>
+                  <a:srgbClr val="000000"/>
+                </a:solidFill>
+                <a:latin typeface="+mn-lt"/>
+              </a:defRPr>
+            </a:lvl7pPr>
+            <a:lvl8pPr marL="3429000" indent="-228600" algn="l" rtl="0" eaLnBrk="1" fontAlgn="base" hangingPunct="1">
+              <a:spcBef>
+                <a:spcPct val="20000"/>
+              </a:spcBef>
+              <a:spcAft>
+                <a:spcPct val="0"/>
+              </a:spcAft>
+              <a:buClr>
+                <a:schemeClr val="tx2"/>
+              </a:buClr>
+              <a:buChar char="–"/>
+              <a:defRPr kumimoji="1" sz="1600">
+                <a:solidFill>
+                  <a:srgbClr val="000000"/>
+                </a:solidFill>
+                <a:latin typeface="+mn-lt"/>
+              </a:defRPr>
+            </a:lvl8pPr>
+            <a:lvl9pPr marL="3886200" indent="-228600" algn="l" rtl="0" eaLnBrk="1" fontAlgn="base" hangingPunct="1">
+              <a:spcBef>
+                <a:spcPct val="20000"/>
+              </a:spcBef>
+              <a:spcAft>
+                <a:spcPct val="0"/>
+              </a:spcAft>
+              <a:buClr>
+                <a:schemeClr val="tx2"/>
+              </a:buClr>
+              <a:buChar char="–"/>
+              <a:defRPr kumimoji="1" sz="1600">
+                <a:solidFill>
+                  <a:srgbClr val="000000"/>
+                </a:solidFill>
+                <a:latin typeface="+mn-lt"/>
+              </a:defRPr>
+            </a:lvl9pPr>
+          </a:lstStyle>
+          <a:p>
+            <a:pPr marL="0" indent="0">
+              <a:buClrTx/>
+              <a:buNone/>
+            </a:pPr>
+            <a:r>
+              <a:rPr lang="en-US" sz="2000" b="1" u="sng" dirty="0" smtClean="0"/>
+              <a:t>Example output</a:t>
+            </a:r>
+          </a:p>
+          <a:p>
+            <a:pPr>
+              <a:buClrTx/>
+            </a:pPr>
+            <a:r>
+              <a:rPr lang="en-US" sz="1800" b="1" dirty="0" smtClean="0">
+                <a:solidFill>
+                  <a:schemeClr val="tx1"/>
+                </a:solidFill>
+              </a:rPr>
+              <a:t>Character-level: </a:t>
+            </a:r>
+            <a:r>
+              <a:rPr lang="en-US" sz="1800" dirty="0">
+                <a:solidFill>
+                  <a:schemeClr val="tx1"/>
+                </a:solidFill>
+              </a:rPr>
+              <a:t>1/2 tsp. baking soda,1 tsp. vanilla extract,1 cup all purpose flour,1 teaspoon baking soda,1 teaspoon salt,6 tablespoons brown sugar,2 cups candy covered plus  1/4 finely diced,1/2 cup firmly packed brown sugar,1 egg  1 3/4 cups sugar,2 la 1/2 tsp. baking soda,1 tsp. vanilla extract  2 cups chocolate chips,1/2 cup agave nectar,1 teaspoon coconut extract ,1 teaspoon salt,1 cup </a:t>
+            </a:r>
+            <a:r>
+              <a:rPr lang="en-US" sz="1800" dirty="0" err="1">
+                <a:solidFill>
+                  <a:schemeClr val="tx1"/>
+                </a:solidFill>
+              </a:rPr>
+              <a:t>nutella</a:t>
+            </a:r>
+            <a:r>
+              <a:rPr lang="en-US" sz="1800" dirty="0">
+                <a:solidFill>
+                  <a:schemeClr val="tx1"/>
+                </a:solidFill>
+              </a:rPr>
+              <a:t>, 1/2 cup rainbow sprinkles of chopped nuts,1/3 cup chocolate hot cocoa powder,1 tsp vanilla </a:t>
+            </a:r>
+            <a:endParaRPr lang="en-US" sz="1800" dirty="0" smtClean="0">
+              <a:solidFill>
+                <a:schemeClr val="tx1"/>
+              </a:solidFill>
+            </a:endParaRPr>
+          </a:p>
+          <a:p>
+            <a:pPr>
+              <a:buClrTx/>
+            </a:pPr>
+            <a:r>
+              <a:rPr lang="en-US" sz="1800" b="1" dirty="0" smtClean="0">
+                <a:solidFill>
+                  <a:schemeClr val="tx1"/>
+                </a:solidFill>
+              </a:rPr>
+              <a:t>Word-level</a:t>
+            </a:r>
+            <a:r>
+              <a:rPr lang="en-US" sz="1800" dirty="0" smtClean="0">
+                <a:solidFill>
+                  <a:schemeClr val="tx1"/>
+                </a:solidFill>
+              </a:rPr>
+              <a:t>: </a:t>
+            </a:r>
+            <a:r>
+              <a:rPr lang="en-US" sz="1800" dirty="0">
+                <a:solidFill>
+                  <a:schemeClr val="tx1"/>
+                </a:solidFill>
+              </a:rPr>
+              <a:t>Chocolate Biscuit syrup light cold of syrup 3 tablespoons soft oil 2 cups water 3/4 cup sugar 1/2 cup butter softened 2 tablespoons milk 1 teaspoon baking powder 1/2 teaspoon </a:t>
+            </a:r>
+            <a:r>
+              <a:rPr lang="en-US" sz="1800" dirty="0" smtClean="0">
+                <a:solidFill>
+                  <a:schemeClr val="tx1"/>
+                </a:solidFill>
+              </a:rPr>
+              <a:t>salt</a:t>
+            </a:r>
+            <a:endParaRPr lang="en-US" sz="1800" dirty="0">
+              <a:solidFill>
+                <a:schemeClr val="tx1"/>
+              </a:solidFill>
+            </a:endParaRPr>
+          </a:p>
+          <a:p>
+            <a:pPr>
+              <a:buClrTx/>
+            </a:pPr>
+            <a:r>
+              <a:rPr lang="en-US" sz="1800" b="1" dirty="0" smtClean="0">
+                <a:solidFill>
+                  <a:schemeClr val="tx1"/>
+                </a:solidFill>
+              </a:rPr>
+              <a:t>Phrase-level</a:t>
+            </a:r>
+            <a:r>
+              <a:rPr lang="en-US" sz="1800" b="1" dirty="0">
+                <a:solidFill>
+                  <a:schemeClr val="tx1"/>
+                </a:solidFill>
+              </a:rPr>
+              <a:t>:</a:t>
+            </a:r>
+            <a:r>
+              <a:rPr lang="en-US" sz="1800" dirty="0">
+                <a:solidFill>
+                  <a:schemeClr val="tx1"/>
+                </a:solidFill>
+              </a:rPr>
+              <a:t>  1/2 cup soy or coconut vanilla flavored creamer  2 teaspoons of vanilla extract 2 teaspoons vanilla essence   1 flax egg  2 tablespoons egg or whey chocolate protein powder  2 large egg yolks at room temperature 1/3 cup dark chocolate chips 1 cup semi sweet chocolate chips  3/4 cups granulated </a:t>
+            </a:r>
+            <a:r>
+              <a:rPr lang="en-US" sz="1800" dirty="0" smtClean="0">
+                <a:solidFill>
+                  <a:schemeClr val="tx1"/>
+                </a:solidFill>
+              </a:rPr>
+              <a:t>sugar</a:t>
+            </a:r>
+            <a:endParaRPr lang="en-US" sz="1800" dirty="0">
+              <a:solidFill>
+                <a:schemeClr val="tx1"/>
+              </a:solidFill>
+            </a:endParaRPr>
           </a:p>
         </p:txBody>
       </p:sp>
     </p:spTree>
     <p:extLst>
       <p:ext uri="{BB962C8B-B14F-4D97-AF65-F5344CB8AC3E}">
-        <p14:creationId xmlns:p14="http://schemas.microsoft.com/office/powerpoint/2010/main" val="3185095740"/>
+        <p14:creationId xmlns:p14="http://schemas.microsoft.com/office/powerpoint/2010/main" val="1446155532"/>
       </p:ext>
     </p:extLst>
   </p:cSld>
@@ -4977,7 +5260,7 @@
           <a:p>
             <a:r>
               <a:rPr lang="en-US" dirty="0"/>
-              <a:t>Conclusion</a:t>
+              <a:t>Results 4</a:t>
             </a:r>
           </a:p>
         </p:txBody>
@@ -4997,6 +5280,161 @@
           <a:bodyPr/>
           <a:lstStyle/>
           <a:p>
+            <a:r>
+              <a:rPr lang="en-US" sz="1800" dirty="0"/>
+              <a:t>Why can we trust your model</a:t>
+            </a:r>
+            <a:r>
+              <a:rPr lang="en-US" sz="1800" dirty="0" smtClean="0"/>
+              <a:t>?</a:t>
+            </a:r>
+          </a:p>
+          <a:p>
+            <a:pPr lvl="1"/>
+            <a:r>
+              <a:rPr lang="en-US" sz="1800" dirty="0" smtClean="0"/>
+              <a:t>By the scope of our project, the output requires human validation because it does not include directions on how to bake the recipe</a:t>
+            </a:r>
+          </a:p>
+          <a:p>
+            <a:pPr lvl="1"/>
+            <a:r>
+              <a:rPr lang="en-US" sz="1800" dirty="0"/>
+              <a:t>The generated output does not closely mimic the seed recipe, so it is not </a:t>
+            </a:r>
+            <a:r>
+              <a:rPr lang="en-US" sz="1800" dirty="0" smtClean="0"/>
+              <a:t>overfitting</a:t>
+            </a:r>
+          </a:p>
+          <a:p>
+            <a:pPr lvl="1"/>
+            <a:r>
+              <a:rPr lang="en-US" sz="1800" dirty="0" err="1" smtClean="0"/>
+              <a:t>Heatmaps</a:t>
+            </a:r>
+            <a:r>
+              <a:rPr lang="en-US" sz="1800" dirty="0" smtClean="0"/>
+              <a:t> provide insight into what the model is ‘thinking’</a:t>
+            </a:r>
+          </a:p>
+          <a:p>
+            <a:r>
+              <a:rPr lang="en-US" sz="1800" dirty="0" smtClean="0"/>
+              <a:t>What </a:t>
+            </a:r>
+            <a:r>
+              <a:rPr lang="en-US" sz="1800" dirty="0"/>
+              <a:t>are the strengths of the model</a:t>
+            </a:r>
+            <a:r>
+              <a:rPr lang="en-US" sz="1800" dirty="0" smtClean="0"/>
+              <a:t>?</a:t>
+            </a:r>
+          </a:p>
+          <a:p>
+            <a:pPr lvl="1"/>
+            <a:r>
+              <a:rPr lang="en-US" sz="1800" dirty="0" smtClean="0"/>
+              <a:t>Does well predicting around numbers</a:t>
+            </a:r>
+          </a:p>
+          <a:p>
+            <a:pPr lvl="1"/>
+            <a:r>
+              <a:rPr lang="en-US" sz="1800" dirty="0" smtClean="0"/>
+              <a:t>Once it selects the first letter, it becomes more sure</a:t>
+            </a:r>
+            <a:endParaRPr lang="en-US" sz="1800" dirty="0"/>
+          </a:p>
+          <a:p>
+            <a:r>
+              <a:rPr lang="en-US" sz="1800" dirty="0"/>
+              <a:t>Where does the model fall short</a:t>
+            </a:r>
+            <a:r>
+              <a:rPr lang="en-US" sz="1800" dirty="0" smtClean="0"/>
+              <a:t>?</a:t>
+            </a:r>
+          </a:p>
+          <a:p>
+            <a:pPr lvl="1"/>
+            <a:r>
+              <a:rPr lang="en-US" sz="1800" dirty="0" smtClean="0"/>
+              <a:t>Struggles to pick the next word (least sure on the first letter of a new word)</a:t>
+            </a:r>
+            <a:endParaRPr lang="en-US" sz="1800" dirty="0"/>
+          </a:p>
+        </p:txBody>
+      </p:sp>
+    </p:spTree>
+    <p:extLst>
+      <p:ext uri="{BB962C8B-B14F-4D97-AF65-F5344CB8AC3E}">
+        <p14:creationId xmlns:p14="http://schemas.microsoft.com/office/powerpoint/2010/main" val="3185095740"/>
+      </p:ext>
+    </p:extLst>
+  </p:cSld>
+  <p:clrMapOvr>
+    <a:masterClrMapping/>
+  </p:clrMapOvr>
+  <p:transition/>
+</p:sld>
+</file>
+
+<file path=ppt/slides/slide13.xml><?xml version="1.0" encoding="utf-8"?>
+<p:sld xmlns:a="http://schemas.openxmlformats.org/drawingml/2006/main" xmlns:r="http://schemas.openxmlformats.org/officeDocument/2006/relationships" xmlns:p="http://schemas.openxmlformats.org/presentationml/2006/main">
+  <p:cSld>
+    <p:spTree>
+      <p:nvGrpSpPr>
+        <p:cNvPr id="1" name=""/>
+        <p:cNvGrpSpPr/>
+        <p:nvPr/>
+      </p:nvGrpSpPr>
+      <p:grpSpPr>
+        <a:xfrm>
+          <a:off x="0" y="0"/>
+          <a:ext cx="0" cy="0"/>
+          <a:chOff x="0" y="0"/>
+          <a:chExt cx="0" cy="0"/>
+        </a:xfrm>
+      </p:grpSpPr>
+      <p:sp>
+        <p:nvSpPr>
+          <p:cNvPr id="2" name="Title 1"/>
+          <p:cNvSpPr>
+            <a:spLocks noGrp="1"/>
+          </p:cNvSpPr>
+          <p:nvPr>
+            <p:ph type="title"/>
+          </p:nvPr>
+        </p:nvSpPr>
+        <p:spPr/>
+        <p:txBody>
+          <a:bodyPr/>
+          <a:lstStyle/>
+          <a:p>
+            <a:r>
+              <a:rPr lang="en-US" dirty="0"/>
+              <a:t>Conclusion</a:t>
+            </a:r>
+          </a:p>
+        </p:txBody>
+      </p:sp>
+      <p:sp>
+        <p:nvSpPr>
+          <p:cNvPr id="3" name="Content Placeholder 2"/>
+          <p:cNvSpPr>
+            <a:spLocks noGrp="1"/>
+          </p:cNvSpPr>
+          <p:nvPr>
+            <p:ph idx="1"/>
+          </p:nvPr>
+        </p:nvSpPr>
+        <p:spPr/>
+        <p:txBody>
+          <a:bodyPr/>
+          <a:lstStyle/>
+          <a:p>
             <a:pPr>
               <a:buClrTx/>
             </a:pPr>
@@ -5122,7 +5560,7 @@
 </p:sld>
 </file>
 
-<file path=ppt/slides/slide13.xml><?xml version="1.0" encoding="utf-8"?>
+<file path=ppt/slides/slide14.xml><?xml version="1.0" encoding="utf-8"?>
 <p:sld xmlns:a="http://schemas.openxmlformats.org/drawingml/2006/main" xmlns:r="http://schemas.openxmlformats.org/officeDocument/2006/relationships" xmlns:p="http://schemas.openxmlformats.org/presentationml/2006/main">
   <p:cSld>
     <p:spTree>
@@ -5572,9 +6010,10 @@
           <a:lstStyle/>
           <a:p>
             <a:r>
-              <a:rPr lang="en-US" dirty="0"/>
-              <a:t>Problem Statement</a:t>
-            </a:r>
+              <a:rPr lang="en-US" dirty="0" smtClean="0"/>
+              <a:t>Agenda</a:t>
+            </a:r>
+            <a:endParaRPr lang="en-US" dirty="0"/>
           </a:p>
         </p:txBody>
       </p:sp>
@@ -5593,194 +6032,54 @@
           <a:bodyPr/>
           <a:lstStyle/>
           <a:p>
-            <a:pPr marL="457200" indent="-457200">
-              <a:buClrTx/>
-              <a:buFont typeface="Arial" charset="0"/>
-              <a:buChar char="•"/>
-            </a:pPr>
-            <a:r>
-              <a:rPr lang="en-US" sz="1800" b="1" dirty="0" smtClean="0"/>
+            <a:r>
+              <a:rPr lang="en-US" dirty="0" smtClean="0"/>
               <a:t>Problem Statement</a:t>
             </a:r>
           </a:p>
           <a:p>
-            <a:pPr marL="857250" lvl="1" indent="-457200">
-              <a:buClrTx/>
-              <a:buFont typeface="Arial" charset="0"/>
-              <a:buChar char="•"/>
-            </a:pPr>
-            <a:r>
-              <a:rPr lang="en-US" sz="1600" b="1" dirty="0" smtClean="0"/>
-              <a:t>Creative </a:t>
-            </a:r>
-            <a:r>
-              <a:rPr lang="en-US" sz="1600" b="1" dirty="0"/>
-              <a:t>combination </a:t>
-            </a:r>
-            <a:r>
-              <a:rPr lang="en-US" sz="1600" dirty="0"/>
-              <a:t>of ingredients can be difficult for most people who lack cooking </a:t>
-            </a:r>
-            <a:r>
-              <a:rPr lang="en-US" sz="1600" dirty="0" smtClean="0"/>
-              <a:t>experience</a:t>
-            </a:r>
-            <a:endParaRPr lang="en-US" sz="1600" dirty="0"/>
-          </a:p>
-          <a:p>
-            <a:pPr marL="857250" lvl="1" indent="-457200">
-              <a:buClrTx/>
-              <a:buFont typeface="Arial" charset="0"/>
-              <a:buChar char="•"/>
-            </a:pPr>
-            <a:r>
-              <a:rPr lang="en-US" sz="1600" dirty="0"/>
-              <a:t>With help of </a:t>
-            </a:r>
-            <a:r>
-              <a:rPr lang="en-US" sz="1600" b="1" dirty="0"/>
-              <a:t>machine learning </a:t>
-            </a:r>
-            <a:r>
-              <a:rPr lang="en-US" sz="1600" dirty="0"/>
-              <a:t>(and a lot of data), a model can generate </a:t>
-            </a:r>
-            <a:r>
-              <a:rPr lang="en-US" sz="1600" b="1" dirty="0"/>
-              <a:t>new recipes </a:t>
-            </a:r>
-            <a:r>
-              <a:rPr lang="en-US" sz="1600" dirty="0"/>
-              <a:t>for them to experiment </a:t>
-            </a:r>
-            <a:r>
-              <a:rPr lang="en-US" sz="1600" dirty="0" smtClean="0"/>
-              <a:t>with</a:t>
-            </a:r>
-            <a:endParaRPr lang="en-US" sz="1600" dirty="0"/>
-          </a:p>
-          <a:p>
-            <a:pPr marL="457200" indent="-457200">
-              <a:buClrTx/>
-              <a:buFont typeface="Arial" charset="0"/>
-              <a:buChar char="•"/>
-            </a:pPr>
-            <a:r>
-              <a:rPr lang="en-US" sz="1800" b="1" dirty="0"/>
-              <a:t>Difficulty </a:t>
-            </a:r>
-            <a:endParaRPr lang="en-US" sz="1800" b="1" dirty="0" smtClean="0"/>
-          </a:p>
-          <a:p>
-            <a:pPr marL="857250" lvl="1" indent="-457200">
-              <a:buClrTx/>
-              <a:buFont typeface="Arial" charset="0"/>
-              <a:buChar char="•"/>
-            </a:pPr>
-            <a:r>
-              <a:rPr lang="en-US" sz="1600" dirty="0" smtClean="0"/>
-              <a:t>Current </a:t>
-            </a:r>
-            <a:r>
-              <a:rPr lang="en-US" sz="1600" dirty="0"/>
-              <a:t>machine learning models are effective at copying and regurgitating </a:t>
-            </a:r>
-            <a:r>
-              <a:rPr lang="en-US" sz="1600" dirty="0" smtClean="0"/>
-              <a:t>inputs</a:t>
-            </a:r>
-            <a:endParaRPr lang="en-US" sz="1600" dirty="0"/>
-          </a:p>
-          <a:p>
-            <a:pPr marL="857250" lvl="1" indent="-457200">
-              <a:buClrTx/>
-              <a:buFont typeface="Arial" charset="0"/>
-              <a:buChar char="•"/>
-            </a:pPr>
-            <a:r>
-              <a:rPr lang="en-US" sz="1600" b="1" dirty="0"/>
-              <a:t>Generating original output </a:t>
-            </a:r>
-            <a:r>
-              <a:rPr lang="en-US" sz="1600" dirty="0"/>
-              <a:t>from those inputs can be bit more </a:t>
-            </a:r>
-            <a:r>
-              <a:rPr lang="en-US" sz="1600" b="1" dirty="0" smtClean="0"/>
-              <a:t>problematic</a:t>
-            </a:r>
-            <a:endParaRPr lang="en-US" sz="1600" dirty="0" smtClean="0"/>
-          </a:p>
-          <a:p>
-            <a:pPr marL="457200" indent="-457200">
-              <a:buClrTx/>
-              <a:buFont typeface="Arial" charset="0"/>
-              <a:buChar char="•"/>
-            </a:pPr>
-            <a:r>
-              <a:rPr lang="en-US" sz="1800" b="1" dirty="0"/>
-              <a:t>Other approaches</a:t>
-            </a:r>
-            <a:endParaRPr lang="en-US" sz="1800" dirty="0" smtClean="0"/>
-          </a:p>
-          <a:p>
-            <a:pPr marL="857250" lvl="1" indent="-457200">
-              <a:buClrTx/>
-              <a:buFont typeface="Arial" charset="0"/>
-              <a:buChar char="•"/>
-            </a:pPr>
-            <a:r>
-              <a:rPr lang="en-US" sz="1600" dirty="0" smtClean="0"/>
-              <a:t>Models </a:t>
-            </a:r>
-            <a:r>
-              <a:rPr lang="en-US" sz="1600" dirty="0"/>
-              <a:t>have been trained on a very general set of recipes including multiple types of food (both savory and sweet recipes</a:t>
-            </a:r>
-            <a:r>
-              <a:rPr lang="en-US" sz="1600" dirty="0" smtClean="0"/>
-              <a:t>)</a:t>
-            </a:r>
-            <a:endParaRPr lang="en-US" sz="1600" dirty="0"/>
-          </a:p>
-          <a:p>
-            <a:pPr marL="857250" lvl="1" indent="-457200">
-              <a:buClrTx/>
-              <a:buFont typeface="Arial" charset="0"/>
-              <a:buChar char="•"/>
-            </a:pPr>
-            <a:r>
-              <a:rPr lang="en-US" sz="1600" dirty="0"/>
-              <a:t>Some common ingredient like salt appears in recipes as varied as cakes, burgers and pizzas, confusing the </a:t>
-            </a:r>
-            <a:r>
-              <a:rPr lang="en-US" sz="1600" dirty="0" smtClean="0"/>
-              <a:t>model</a:t>
-            </a:r>
-            <a:endParaRPr lang="en-US" sz="1600" dirty="0"/>
-          </a:p>
-          <a:p>
-            <a:pPr marL="857250" lvl="1" indent="-457200">
-              <a:buClrTx/>
-              <a:buFont typeface="Arial" charset="0"/>
-              <a:buChar char="•"/>
-            </a:pPr>
-            <a:r>
-              <a:rPr lang="en-US" sz="1600" dirty="0"/>
-              <a:t>Models trained with both directions and ingredients adds to the complexity and the models focused on learning format rather than </a:t>
-            </a:r>
-            <a:r>
-              <a:rPr lang="en-US" sz="1600" dirty="0" smtClean="0"/>
-              <a:t>content</a:t>
-            </a:r>
-            <a:endParaRPr lang="en-US" sz="1600" dirty="0"/>
+            <a:r>
+              <a:rPr lang="en-US" dirty="0" smtClean="0"/>
+              <a:t>Dataset</a:t>
+            </a:r>
+          </a:p>
+          <a:p>
+            <a:r>
+              <a:rPr lang="en-US" dirty="0" smtClean="0"/>
+              <a:t>Technical Approach</a:t>
+            </a:r>
+          </a:p>
+          <a:p>
+            <a:r>
+              <a:rPr lang="en-US" dirty="0" smtClean="0"/>
+              <a:t>Results</a:t>
+            </a:r>
+          </a:p>
+          <a:p>
+            <a:r>
+              <a:rPr lang="en-US" dirty="0" smtClean="0"/>
+              <a:t>Conclusion</a:t>
+            </a:r>
+          </a:p>
+          <a:p>
+            <a:r>
+              <a:rPr lang="en-US" smtClean="0"/>
+              <a:t>References</a:t>
+            </a:r>
+            <a:endParaRPr lang="en-US" dirty="0" smtClean="0"/>
+          </a:p>
+          <a:p>
+            <a:endParaRPr lang="en-US" dirty="0" smtClean="0"/>
+          </a:p>
+          <a:p>
+            <a:endParaRPr lang="en-US" dirty="0"/>
           </a:p>
         </p:txBody>
       </p:sp>
     </p:spTree>
     <p:extLst>
       <p:ext uri="{BB962C8B-B14F-4D97-AF65-F5344CB8AC3E}">
-        <p14:creationId xmlns:p14="http://schemas.microsoft.com/office/powerpoint/2010/main" val="3728291601"/>
+        <p14:creationId xmlns:p14="http://schemas.microsoft.com/office/powerpoint/2010/main" val="2067907031"/>
       </p:ext>
     </p:extLst>
   </p:cSld>
@@ -5832,7 +6131,7 @@
           <a:p>
             <a:r>
               <a:rPr lang="en-US" dirty="0"/>
-              <a:t>Dataset</a:t>
+              <a:t>Problem Statement</a:t>
             </a:r>
           </a:p>
         </p:txBody>
@@ -5852,183 +6151,194 @@
           <a:bodyPr/>
           <a:lstStyle/>
           <a:p>
-            <a:pPr>
+            <a:pPr marL="457200" indent="-457200">
               <a:buClrTx/>
+              <a:buFont typeface="Arial" charset="0"/>
+              <a:buChar char="•"/>
             </a:pPr>
             <a:r>
-              <a:rPr lang="en-US" sz="1800" dirty="0" smtClean="0"/>
-              <a:t>Scraped 80,000 </a:t>
-            </a:r>
-            <a:r>
-              <a:rPr lang="en-US" sz="1800" dirty="0"/>
-              <a:t>ingredient lists </a:t>
-            </a:r>
-            <a:r>
-              <a:rPr lang="en-US" sz="1800" dirty="0" smtClean="0"/>
-              <a:t>from </a:t>
-            </a:r>
-            <a:r>
-              <a:rPr lang="en-US" sz="1800" dirty="0" err="1" smtClean="0"/>
-              <a:t>Yummly</a:t>
-            </a:r>
-            <a:r>
-              <a:rPr lang="en-US" sz="1800" dirty="0" smtClean="0"/>
-              <a:t> on </a:t>
-            </a:r>
-            <a:r>
-              <a:rPr lang="en-US" sz="1800" dirty="0"/>
-              <a:t>the search parameter ‘cookie</a:t>
-            </a:r>
-            <a:r>
-              <a:rPr lang="en-US" sz="1800" dirty="0" smtClean="0"/>
-              <a:t>’</a:t>
-            </a:r>
-          </a:p>
-          <a:p>
-            <a:r>
-              <a:rPr lang="en-US" sz="1800" dirty="0" smtClean="0"/>
-              <a:t>Example Raw Data:</a:t>
-            </a:r>
-            <a:br>
-              <a:rPr lang="en-US" sz="1800" dirty="0" smtClean="0"/>
-            </a:br>
-            <a:r>
-              <a:rPr lang="en-US" sz="1400" dirty="0" smtClean="0"/>
-              <a:t>[</a:t>
-            </a:r>
-            <a:r>
-              <a:rPr lang="en-US" sz="1400" dirty="0"/>
-              <a:t>'2 cups flour', '1 teaspoon baking powder', '1 teaspoon baking soda', '1 teaspoon salt', '3/4 cup butter, room temperature', '3/4 cup brown sugar </a:t>
-            </a:r>
-            <a:r>
-              <a:rPr lang="en-US" sz="1400" dirty="0">
-                <a:solidFill>
-                  <a:srgbClr val="FF0000"/>
-                </a:solidFill>
-              </a:rPr>
-              <a:t>(packed)</a:t>
-            </a:r>
-            <a:r>
-              <a:rPr lang="en-US" sz="1400" dirty="0"/>
-              <a:t>', '3/4 cup granulated sugar', '2 large eggs', u'2 teaspoons vanilla </a:t>
-            </a:r>
-            <a:r>
-              <a:rPr lang="en-US" sz="1400" dirty="0">
-                <a:solidFill>
-                  <a:srgbClr val="FF0000"/>
-                </a:solidFill>
-              </a:rPr>
-              <a:t>(or slightly more, to taste)</a:t>
-            </a:r>
-            <a:r>
-              <a:rPr lang="en-US" sz="1400" dirty="0"/>
-              <a:t>', '3 1/2 cups old-fashioned oatmeal', '2 cups raisins </a:t>
-            </a:r>
-            <a:r>
-              <a:rPr lang="en-US" sz="1400" dirty="0">
-                <a:solidFill>
-                  <a:srgbClr val="FF0000"/>
-                </a:solidFill>
-              </a:rPr>
-              <a:t>(soaked in hot water flavored with vanilla, then drained</a:t>
-            </a:r>
-            <a:r>
-              <a:rPr lang="en-US" sz="1400" dirty="0" smtClean="0">
-                <a:solidFill>
-                  <a:srgbClr val="FF0000"/>
-                </a:solidFill>
-              </a:rPr>
+              <a:rPr lang="en-US" sz="1800" b="1" dirty="0" smtClean="0"/>
+              <a:t>Problem Statement</a:t>
+            </a:r>
+          </a:p>
+          <a:p>
+            <a:pPr marL="857250" lvl="1" indent="-457200">
+              <a:buClrTx/>
+              <a:buFont typeface="Arial" charset="0"/>
+              <a:buChar char="•"/>
+            </a:pPr>
+            <a:r>
+              <a:rPr lang="en-US" sz="1600" b="1" dirty="0" smtClean="0"/>
+              <a:t>Creative </a:t>
+            </a:r>
+            <a:r>
+              <a:rPr lang="en-US" sz="1600" b="1" dirty="0"/>
+              <a:t>combination </a:t>
+            </a:r>
+            <a:r>
+              <a:rPr lang="en-US" sz="1600" dirty="0"/>
+              <a:t>of ingredients can be difficult for most people who lack cooking </a:t>
+            </a:r>
+            <a:r>
+              <a:rPr lang="en-US" sz="1600" dirty="0" smtClean="0"/>
+              <a:t>experience</a:t>
+            </a:r>
+            <a:endParaRPr lang="en-US" sz="1600" dirty="0"/>
+          </a:p>
+          <a:p>
+            <a:pPr marL="857250" lvl="1" indent="-457200">
+              <a:buClrTx/>
+              <a:buFont typeface="Arial" charset="0"/>
+              <a:buChar char="•"/>
+            </a:pPr>
+            <a:r>
+              <a:rPr lang="en-US" sz="1600" dirty="0"/>
+              <a:t>With help of </a:t>
+            </a:r>
+            <a:r>
+              <a:rPr lang="en-US" sz="1600" b="1" dirty="0"/>
+              <a:t>machine learning </a:t>
+            </a:r>
+            <a:r>
+              <a:rPr lang="en-US" sz="1600" dirty="0"/>
+              <a:t>(and a lot of data), a model can generate </a:t>
+            </a:r>
+            <a:r>
+              <a:rPr lang="en-US" sz="1600" b="1" dirty="0"/>
+              <a:t>new recipes </a:t>
+            </a:r>
+            <a:r>
+              <a:rPr lang="en-US" sz="1600" dirty="0"/>
+              <a:t>for them to experiment </a:t>
+            </a:r>
+            <a:r>
+              <a:rPr lang="en-US" sz="1600" dirty="0" smtClean="0"/>
+              <a:t>with</a:t>
+            </a:r>
+            <a:endParaRPr lang="en-US" sz="1600" dirty="0"/>
+          </a:p>
+          <a:p>
+            <a:pPr marL="457200" indent="-457200">
+              <a:buClrTx/>
+              <a:buFont typeface="Arial" charset="0"/>
+              <a:buChar char="•"/>
+            </a:pPr>
+            <a:r>
+              <a:rPr lang="en-US" sz="1800" b="1" dirty="0"/>
+              <a:t>Difficulty </a:t>
+            </a:r>
+            <a:endParaRPr lang="en-US" sz="1800" b="1" dirty="0" smtClean="0"/>
+          </a:p>
+          <a:p>
+            <a:pPr marL="857250" lvl="1" indent="-457200">
+              <a:buClrTx/>
+              <a:buFont typeface="Arial" charset="0"/>
+              <a:buChar char="•"/>
+            </a:pPr>
+            <a:r>
+              <a:rPr lang="en-US" sz="1600" dirty="0" smtClean="0"/>
+              <a:t>Current </a:t>
+            </a:r>
+            <a:r>
+              <a:rPr lang="en-US" sz="1600" dirty="0"/>
+              <a:t>machine learning models are effective at copying and regurgitating </a:t>
+            </a:r>
+            <a:r>
+              <a:rPr lang="en-US" sz="1600" dirty="0" smtClean="0"/>
+              <a:t>inputs</a:t>
+            </a:r>
+            <a:endParaRPr lang="en-US" sz="1600" dirty="0"/>
+          </a:p>
+          <a:p>
+            <a:pPr marL="857250" lvl="1" indent="-457200">
+              <a:buClrTx/>
+              <a:buFont typeface="Arial" charset="0"/>
+              <a:buChar char="•"/>
+            </a:pPr>
+            <a:r>
+              <a:rPr lang="en-US" sz="1600" b="1" dirty="0"/>
+              <a:t>Generating original output </a:t>
+            </a:r>
+            <a:r>
+              <a:rPr lang="en-US" sz="1600" dirty="0"/>
+              <a:t>from those inputs can be bit more </a:t>
+            </a:r>
+            <a:r>
+              <a:rPr lang="en-US" sz="1600" b="1" dirty="0" smtClean="0"/>
+              <a:t>problematic</a:t>
+            </a:r>
+            <a:endParaRPr lang="en-US" sz="1600" dirty="0" smtClean="0"/>
+          </a:p>
+          <a:p>
+            <a:pPr marL="457200" indent="-457200">
+              <a:buClrTx/>
+              <a:buFont typeface="Arial" charset="0"/>
+              <a:buChar char="•"/>
+            </a:pPr>
+            <a:r>
+              <a:rPr lang="en-US" sz="1800" b="1" dirty="0"/>
+              <a:t>Other approaches</a:t>
+            </a:r>
+            <a:endParaRPr lang="en-US" sz="1800" dirty="0" smtClean="0"/>
+          </a:p>
+          <a:p>
+            <a:pPr marL="857250" lvl="1" indent="-457200">
+              <a:buClrTx/>
+              <a:buFont typeface="Arial" charset="0"/>
+              <a:buChar char="•"/>
+            </a:pPr>
+            <a:r>
+              <a:rPr lang="en-US" sz="1600" dirty="0" smtClean="0"/>
+              <a:t>Models </a:t>
+            </a:r>
+            <a:r>
+              <a:rPr lang="en-US" sz="1600" dirty="0"/>
+              <a:t>have been trained on a very general set of recipes including multiple types of food (both savory and sweet recipes</a:t>
+            </a:r>
+            <a:r>
+              <a:rPr lang="en-US" sz="1600" dirty="0" smtClean="0"/>
               <a:t>)</a:t>
             </a:r>
-            <a:r>
-              <a:rPr lang="en-US" sz="1400" dirty="0" smtClean="0"/>
-              <a:t>']</a:t>
-            </a:r>
-            <a:endParaRPr lang="en-US" sz="1800" dirty="0" smtClean="0"/>
-          </a:p>
-          <a:p>
-            <a:r>
-              <a:rPr lang="en-US" sz="1800" dirty="0" smtClean="0"/>
-              <a:t>Cleaning the Data:</a:t>
-            </a:r>
-          </a:p>
-          <a:p>
-            <a:pPr lvl="1">
+            <a:endParaRPr lang="en-US" sz="1600" dirty="0"/>
+          </a:p>
+          <a:p>
+            <a:pPr marL="857250" lvl="1" indent="-457200">
               <a:buClrTx/>
+              <a:buFont typeface="Arial" charset="0"/>
+              <a:buChar char="•"/>
             </a:pPr>
             <a:r>
-              <a:rPr lang="en-US" sz="1400" dirty="0"/>
-              <a:t>Removed any recipes that didn’t have cookie in the title</a:t>
-            </a:r>
-          </a:p>
-          <a:p>
-            <a:pPr lvl="1">
+              <a:rPr lang="en-US" sz="1600" dirty="0"/>
+              <a:t>Some common ingredient like salt appears in recipes as varied as cakes, burgers and pizzas, confusing the </a:t>
+            </a:r>
+            <a:r>
+              <a:rPr lang="en-US" sz="1600" dirty="0" smtClean="0"/>
+              <a:t>model</a:t>
+            </a:r>
+            <a:endParaRPr lang="en-US" sz="1600" dirty="0"/>
+          </a:p>
+          <a:p>
+            <a:pPr marL="857250" lvl="1" indent="-457200">
               <a:buClrTx/>
+              <a:buFont typeface="Arial" charset="0"/>
+              <a:buChar char="•"/>
             </a:pPr>
             <a:r>
-              <a:rPr lang="en-US" sz="1400" dirty="0"/>
-              <a:t>Removed special characters and converted from Unicode to ASCII</a:t>
-            </a:r>
-          </a:p>
-          <a:p>
-            <a:pPr lvl="1">
-              <a:buClrTx/>
-            </a:pPr>
-            <a:r>
-              <a:rPr lang="en-US" sz="1400" dirty="0"/>
-              <a:t>Created a dictionary of words by looking at the term frequency matrix of the corpus and removing any infrequent (&lt;100) terms</a:t>
-            </a:r>
-          </a:p>
-          <a:p>
-            <a:pPr lvl="1">
-              <a:buClrTx/>
-            </a:pPr>
-            <a:r>
-              <a:rPr lang="en-US" sz="1400" dirty="0"/>
-              <a:t>Inspected the final dictionary and removed any words that were instructions or were unrelated to cookies</a:t>
-            </a:r>
-          </a:p>
-          <a:p>
-            <a:pPr lvl="1">
-              <a:buClrTx/>
-            </a:pPr>
-            <a:r>
-              <a:rPr lang="en-US" sz="1400" dirty="0"/>
-              <a:t>Removed any words not in the final dictionary from the corpus</a:t>
-            </a:r>
-          </a:p>
-          <a:p>
-            <a:r>
-              <a:rPr lang="en-US" sz="1800" dirty="0" smtClean="0"/>
-              <a:t>Local machines were sufficient to process the data, but training the models (especially the character-level </a:t>
-            </a:r>
-            <a:r>
-              <a:rPr lang="en-US" sz="1800" dirty="0" err="1" smtClean="0"/>
-              <a:t>embeddings</a:t>
-            </a:r>
-            <a:r>
-              <a:rPr lang="en-US" sz="1800" dirty="0" smtClean="0"/>
-              <a:t>) required the GPU cluster</a:t>
-            </a:r>
-            <a:endParaRPr lang="en-US" sz="1800" dirty="0"/>
-          </a:p>
-          <a:p>
-            <a:r>
-              <a:rPr lang="en-US" sz="1800" dirty="0" smtClean="0"/>
-              <a:t>Since the recipes generated from various seeds did not repeat or closely mimic the original recipe, we believe that the models did not </a:t>
-            </a:r>
-            <a:r>
-              <a:rPr lang="en-US" sz="1800" dirty="0" err="1" smtClean="0"/>
-              <a:t>overfit</a:t>
-            </a:r>
-            <a:endParaRPr lang="en-US" sz="1800" dirty="0" smtClean="0"/>
+              <a:rPr lang="en-US" sz="1600" dirty="0"/>
+              <a:t>Models trained with both directions and ingredients adds to the complexity and the models focused on learning format rather than </a:t>
+            </a:r>
+            <a:r>
+              <a:rPr lang="en-US" sz="1600" dirty="0" smtClean="0"/>
+              <a:t>content</a:t>
+            </a:r>
+            <a:endParaRPr lang="en-US" sz="1600" dirty="0"/>
           </a:p>
         </p:txBody>
       </p:sp>
     </p:spTree>
     <p:extLst>
       <p:ext uri="{BB962C8B-B14F-4D97-AF65-F5344CB8AC3E}">
-        <p14:creationId xmlns:p14="http://schemas.microsoft.com/office/powerpoint/2010/main" val="4069369774"/>
+        <p14:creationId xmlns:p14="http://schemas.microsoft.com/office/powerpoint/2010/main" val="3728291601"/>
       </p:ext>
     </p:extLst>
   </p:cSld>
@@ -6080,6 +6390,254 @@
           <a:p>
             <a:r>
               <a:rPr lang="en-US" dirty="0"/>
+              <a:t>Dataset</a:t>
+            </a:r>
+          </a:p>
+        </p:txBody>
+      </p:sp>
+      <p:sp>
+        <p:nvSpPr>
+          <p:cNvPr id="3" name="Content Placeholder 2"/>
+          <p:cNvSpPr>
+            <a:spLocks noGrp="1"/>
+          </p:cNvSpPr>
+          <p:nvPr>
+            <p:ph idx="1"/>
+          </p:nvPr>
+        </p:nvSpPr>
+        <p:spPr/>
+        <p:txBody>
+          <a:bodyPr/>
+          <a:lstStyle/>
+          <a:p>
+            <a:pPr>
+              <a:buClrTx/>
+            </a:pPr>
+            <a:r>
+              <a:rPr lang="en-US" sz="1800" dirty="0" smtClean="0"/>
+              <a:t>Scraped 80,000 </a:t>
+            </a:r>
+            <a:r>
+              <a:rPr lang="en-US" sz="1800" dirty="0"/>
+              <a:t>ingredient lists </a:t>
+            </a:r>
+            <a:r>
+              <a:rPr lang="en-US" sz="1800" dirty="0" smtClean="0"/>
+              <a:t>from </a:t>
+            </a:r>
+            <a:r>
+              <a:rPr lang="en-US" sz="1800" dirty="0" err="1" smtClean="0"/>
+              <a:t>Yummly</a:t>
+            </a:r>
+            <a:r>
+              <a:rPr lang="en-US" sz="1800" dirty="0" smtClean="0"/>
+              <a:t> on </a:t>
+            </a:r>
+            <a:r>
+              <a:rPr lang="en-US" sz="1800" dirty="0"/>
+              <a:t>the search parameter ‘cookie</a:t>
+            </a:r>
+            <a:r>
+              <a:rPr lang="en-US" sz="1800" dirty="0" smtClean="0"/>
+              <a:t>’</a:t>
+            </a:r>
+          </a:p>
+          <a:p>
+            <a:r>
+              <a:rPr lang="en-US" sz="1800" dirty="0" smtClean="0"/>
+              <a:t>Example Raw Data:</a:t>
+            </a:r>
+            <a:br>
+              <a:rPr lang="en-US" sz="1800" dirty="0" smtClean="0"/>
+            </a:br>
+            <a:r>
+              <a:rPr lang="en-US" sz="1400" dirty="0" smtClean="0"/>
+              <a:t>[</a:t>
+            </a:r>
+            <a:r>
+              <a:rPr lang="en-US" sz="1400" dirty="0"/>
+              <a:t>'2 cups flour', '1 teaspoon baking powder', '1 teaspoon baking soda', '1 teaspoon salt', '3/4 cup butter, room temperature', '3/4 cup brown sugar </a:t>
+            </a:r>
+            <a:r>
+              <a:rPr lang="en-US" sz="1400" dirty="0">
+                <a:solidFill>
+                  <a:srgbClr val="FF0000"/>
+                </a:solidFill>
+              </a:rPr>
+              <a:t>(packed)</a:t>
+            </a:r>
+            <a:r>
+              <a:rPr lang="en-US" sz="1400" dirty="0"/>
+              <a:t>', '3/4 cup granulated sugar', '2 large eggs', u'2 teaspoons vanilla </a:t>
+            </a:r>
+            <a:r>
+              <a:rPr lang="en-US" sz="1400" dirty="0">
+                <a:solidFill>
+                  <a:srgbClr val="FF0000"/>
+                </a:solidFill>
+              </a:rPr>
+              <a:t>(or slightly more, to taste)</a:t>
+            </a:r>
+            <a:r>
+              <a:rPr lang="en-US" sz="1400" dirty="0"/>
+              <a:t>', '3 1/2 cups old-fashioned oatmeal', '2 cups raisins </a:t>
+            </a:r>
+            <a:r>
+              <a:rPr lang="en-US" sz="1400" dirty="0">
+                <a:solidFill>
+                  <a:srgbClr val="FF0000"/>
+                </a:solidFill>
+              </a:rPr>
+              <a:t>(soaked in hot water flavored with vanilla, then drained</a:t>
+            </a:r>
+            <a:r>
+              <a:rPr lang="en-US" sz="1400" dirty="0" smtClean="0">
+                <a:solidFill>
+                  <a:srgbClr val="FF0000"/>
+                </a:solidFill>
+              </a:rPr>
+              <a:t>)</a:t>
+            </a:r>
+            <a:r>
+              <a:rPr lang="en-US" sz="1400" dirty="0" smtClean="0"/>
+              <a:t>']</a:t>
+            </a:r>
+            <a:endParaRPr lang="en-US" sz="1800" dirty="0" smtClean="0"/>
+          </a:p>
+          <a:p>
+            <a:r>
+              <a:rPr lang="en-US" sz="1800" dirty="0" smtClean="0"/>
+              <a:t>Cleaning the Data:</a:t>
+            </a:r>
+          </a:p>
+          <a:p>
+            <a:pPr lvl="1">
+              <a:buClrTx/>
+            </a:pPr>
+            <a:r>
+              <a:rPr lang="en-US" sz="1400" dirty="0"/>
+              <a:t>Removed any recipes that didn’t have cookie in the title</a:t>
+            </a:r>
+          </a:p>
+          <a:p>
+            <a:pPr lvl="1">
+              <a:buClrTx/>
+            </a:pPr>
+            <a:r>
+              <a:rPr lang="en-US" sz="1400" dirty="0"/>
+              <a:t>Removed special characters and converted from Unicode to ASCII</a:t>
+            </a:r>
+          </a:p>
+          <a:p>
+            <a:pPr lvl="1">
+              <a:buClrTx/>
+            </a:pPr>
+            <a:r>
+              <a:rPr lang="en-US" sz="1400" dirty="0"/>
+              <a:t>Created a dictionary of words by looking at the term frequency matrix of the corpus and removing any infrequent (&lt;100) terms</a:t>
+            </a:r>
+          </a:p>
+          <a:p>
+            <a:pPr lvl="1">
+              <a:buClrTx/>
+            </a:pPr>
+            <a:r>
+              <a:rPr lang="en-US" sz="1400" dirty="0"/>
+              <a:t>Inspected the final dictionary and removed any words that were instructions or were unrelated to cookies</a:t>
+            </a:r>
+          </a:p>
+          <a:p>
+            <a:pPr lvl="1">
+              <a:buClrTx/>
+            </a:pPr>
+            <a:r>
+              <a:rPr lang="en-US" sz="1400" dirty="0"/>
+              <a:t>Removed any words not in the final dictionary from the corpus</a:t>
+            </a:r>
+          </a:p>
+          <a:p>
+            <a:r>
+              <a:rPr lang="en-US" sz="1800" dirty="0" smtClean="0"/>
+              <a:t>Local machines were sufficient to process the data, but training the models (especially the character-level </a:t>
+            </a:r>
+            <a:r>
+              <a:rPr lang="en-US" sz="1800" dirty="0" err="1" smtClean="0"/>
+              <a:t>embeddings</a:t>
+            </a:r>
+            <a:r>
+              <a:rPr lang="en-US" sz="1800" dirty="0" smtClean="0"/>
+              <a:t>) required the GPU cluster</a:t>
+            </a:r>
+            <a:endParaRPr lang="en-US" sz="1800" dirty="0"/>
+          </a:p>
+          <a:p>
+            <a:r>
+              <a:rPr lang="en-US" sz="1800" dirty="0" smtClean="0"/>
+              <a:t>Since the recipes generated from various seeds did not repeat or closely mimic the original recipe, we believe that the models did not </a:t>
+            </a:r>
+            <a:r>
+              <a:rPr lang="en-US" sz="1800" dirty="0" err="1" smtClean="0"/>
+              <a:t>overfit</a:t>
+            </a:r>
+            <a:endParaRPr lang="en-US" sz="1800" dirty="0" smtClean="0"/>
+          </a:p>
+        </p:txBody>
+      </p:sp>
+    </p:spTree>
+    <p:extLst>
+      <p:ext uri="{BB962C8B-B14F-4D97-AF65-F5344CB8AC3E}">
+        <p14:creationId xmlns:p14="http://schemas.microsoft.com/office/powerpoint/2010/main" val="4069369774"/>
+      </p:ext>
+    </p:extLst>
+  </p:cSld>
+  <p:clrMapOvr>
+    <a:masterClrMapping/>
+  </p:clrMapOvr>
+  <p:transition/>
+  <p:timing>
+    <p:tnLst>
+      <p:par>
+        <p:cTn id="1" dur="indefinite" restart="never" nodeType="tmRoot"/>
+      </p:par>
+    </p:tnLst>
+  </p:timing>
+</p:sld>
+</file>
+
+<file path=ppt/slides/slide6.xml><?xml version="1.0" encoding="utf-8"?>
+<p:sld xmlns:a="http://schemas.openxmlformats.org/drawingml/2006/main" xmlns:r="http://schemas.openxmlformats.org/officeDocument/2006/relationships" xmlns:p="http://schemas.openxmlformats.org/presentationml/2006/main">
+  <p:cSld>
+    <p:spTree>
+      <p:nvGrpSpPr>
+        <p:cNvPr id="1" name=""/>
+        <p:cNvGrpSpPr/>
+        <p:nvPr/>
+      </p:nvGrpSpPr>
+      <p:grpSpPr>
+        <a:xfrm>
+          <a:off x="0" y="0"/>
+          <a:ext cx="0" cy="0"/>
+          <a:chOff x="0" y="0"/>
+          <a:chExt cx="0" cy="0"/>
+        </a:xfrm>
+      </p:grpSpPr>
+      <p:sp>
+        <p:nvSpPr>
+          <p:cNvPr id="2" name="Title 1"/>
+          <p:cNvSpPr>
+            <a:spLocks noGrp="1"/>
+          </p:cNvSpPr>
+          <p:nvPr>
+            <p:ph type="title"/>
+          </p:nvPr>
+        </p:nvSpPr>
+        <p:spPr/>
+        <p:txBody>
+          <a:bodyPr/>
+          <a:lstStyle/>
+          <a:p>
+            <a:r>
+              <a:rPr lang="en-US" dirty="0"/>
               <a:t>Technical </a:t>
             </a:r>
             <a:r>
@@ -6387,7 +6945,7 @@
 </p:sld>
 </file>
 
-<file path=ppt/slides/slide6.xml><?xml version="1.0" encoding="utf-8"?>
+<file path=ppt/slides/slide7.xml><?xml version="1.0" encoding="utf-8"?>
 <p:sld xmlns:a="http://schemas.openxmlformats.org/drawingml/2006/main" xmlns:r="http://schemas.openxmlformats.org/officeDocument/2006/relationships" xmlns:p="http://schemas.openxmlformats.org/presentationml/2006/main">
   <p:cSld>
     <p:spTree>
@@ -6644,7 +7202,7 @@
 </p:sld>
 </file>
 
-<file path=ppt/slides/slide7.xml><?xml version="1.0" encoding="utf-8"?>
+<file path=ppt/slides/slide8.xml><?xml version="1.0" encoding="utf-8"?>
 <p:sld xmlns:a="http://schemas.openxmlformats.org/drawingml/2006/main" xmlns:r="http://schemas.openxmlformats.org/officeDocument/2006/relationships" xmlns:p="http://schemas.openxmlformats.org/presentationml/2006/main">
   <p:cSld>
     <p:spTree>
@@ -6922,7 +7480,7 @@
 </p:sld>
 </file>
 
-<file path=ppt/slides/slide8.xml><?xml version="1.0" encoding="utf-8"?>
+<file path=ppt/slides/slide9.xml><?xml version="1.0" encoding="utf-8"?>
 <p:sld xmlns:a="http://schemas.openxmlformats.org/drawingml/2006/main" xmlns:r="http://schemas.openxmlformats.org/officeDocument/2006/relationships" xmlns:p="http://schemas.openxmlformats.org/presentationml/2006/main">
   <p:cSld>
     <p:spTree>
@@ -7250,14 +7808,14 @@
           </a:ln>
           <a:extLst>
             <a:ext uri="{909E8E84-426E-40dd-AFC4-6F175D3DCCD1}">
-              <a14:hiddenFill xmlns="" xmlns:a14="http://schemas.microsoft.com/office/drawing/2010/main">
+              <a14:hiddenFill xmlns:a14="http://schemas.microsoft.com/office/drawing/2010/main" xmlns="">
                 <a:solidFill>
                   <a:srgbClr val="FFFFFF"/>
                 </a:solidFill>
               </a14:hiddenFill>
             </a:ext>
             <a:ext uri="{91240B29-F687-4f45-9708-019B960494DF}">
-              <a14:hiddenLine xmlns="" xmlns:a14="http://schemas.microsoft.com/office/drawing/2010/main" w="9525">
+              <a14:hiddenLine xmlns:a14="http://schemas.microsoft.com/office/drawing/2010/main" xmlns="" w="9525">
                 <a:solidFill>
                   <a:srgbClr val="000000"/>
                 </a:solidFill>
@@ -7343,442 +7901,6 @@
     <p:extLst>
       <p:ext uri="{BB962C8B-B14F-4D97-AF65-F5344CB8AC3E}">
         <p14:creationId xmlns:p14="http://schemas.microsoft.com/office/powerpoint/2010/main" val="2504008592"/>
-      </p:ext>
-    </p:extLst>
-  </p:cSld>
-  <p:clrMapOvr>
-    <a:masterClrMapping/>
-  </p:clrMapOvr>
-  <p:transition/>
-</p:sld>
-</file>
-
-<file path=ppt/slides/slide9.xml><?xml version="1.0" encoding="utf-8"?>
-<p:sld xmlns:a="http://schemas.openxmlformats.org/drawingml/2006/main" xmlns:r="http://schemas.openxmlformats.org/officeDocument/2006/relationships" xmlns:p="http://schemas.openxmlformats.org/presentationml/2006/main">
-  <p:cSld>
-    <p:spTree>
-      <p:nvGrpSpPr>
-        <p:cNvPr id="1" name=""/>
-        <p:cNvGrpSpPr/>
-        <p:nvPr/>
-      </p:nvGrpSpPr>
-      <p:grpSpPr>
-        <a:xfrm>
-          <a:off x="0" y="0"/>
-          <a:ext cx="0" cy="0"/>
-          <a:chOff x="0" y="0"/>
-          <a:chExt cx="0" cy="0"/>
-        </a:xfrm>
-      </p:grpSpPr>
-      <p:sp>
-        <p:nvSpPr>
-          <p:cNvPr id="2" name="Title 1"/>
-          <p:cNvSpPr>
-            <a:spLocks noGrp="1"/>
-          </p:cNvSpPr>
-          <p:nvPr>
-            <p:ph type="title"/>
-          </p:nvPr>
-        </p:nvSpPr>
-        <p:spPr/>
-        <p:txBody>
-          <a:bodyPr/>
-          <a:lstStyle/>
-          <a:p>
-            <a:r>
-              <a:rPr lang="en-US" dirty="0" smtClean="0"/>
-              <a:t>Results 2</a:t>
-            </a:r>
-            <a:endParaRPr lang="en-US" dirty="0"/>
-          </a:p>
-        </p:txBody>
-      </p:sp>
-      <p:sp>
-        <p:nvSpPr>
-          <p:cNvPr id="5" name="Content Placeholder 5"/>
-          <p:cNvSpPr txBox="1">
-            <a:spLocks/>
-          </p:cNvSpPr>
-          <p:nvPr/>
-        </p:nvSpPr>
-        <p:spPr>
-          <a:xfrm>
-            <a:off x="762000" y="1371600"/>
-            <a:ext cx="7696200" cy="4538610"/>
-          </a:xfrm>
-          <a:prstGeom prst="rect">
-            <a:avLst/>
-          </a:prstGeom>
-        </p:spPr>
-        <p:txBody>
-          <a:bodyPr/>
-          <a:lstStyle>
-            <a:lvl1pPr marL="342900" indent="-342900" algn="l" rtl="0" eaLnBrk="1" fontAlgn="base" hangingPunct="1">
-              <a:spcBef>
-                <a:spcPct val="20000"/>
-              </a:spcBef>
-              <a:spcAft>
-                <a:spcPct val="0"/>
-              </a:spcAft>
-              <a:buClr>
-                <a:schemeClr val="tx2"/>
-              </a:buClr>
-              <a:buSzPct val="65000"/>
-              <a:buFont typeface="Monotype Sorts" pitchFamily="2" charset="2"/>
-              <a:buChar char="n"/>
-              <a:defRPr kumimoji="1" sz="2800">
-                <a:solidFill>
-                  <a:srgbClr val="000000"/>
-                </a:solidFill>
-                <a:latin typeface="+mn-lt"/>
-                <a:ea typeface="+mn-ea"/>
-                <a:cs typeface="+mn-cs"/>
-              </a:defRPr>
-            </a:lvl1pPr>
-            <a:lvl2pPr marL="742950" indent="-285750" algn="l" rtl="0" eaLnBrk="1" fontAlgn="base" hangingPunct="1">
-              <a:spcBef>
-                <a:spcPct val="20000"/>
-              </a:spcBef>
-              <a:spcAft>
-                <a:spcPct val="0"/>
-              </a:spcAft>
-              <a:buClr>
-                <a:schemeClr val="tx2"/>
-              </a:buClr>
-              <a:buChar char="–"/>
-              <a:defRPr kumimoji="1" sz="2400">
-                <a:solidFill>
-                  <a:srgbClr val="000000"/>
-                </a:solidFill>
-                <a:latin typeface="+mn-lt"/>
-              </a:defRPr>
-            </a:lvl2pPr>
-            <a:lvl3pPr marL="1143000" indent="-228600" algn="l" rtl="0" eaLnBrk="1" fontAlgn="base" hangingPunct="1">
-              <a:spcBef>
-                <a:spcPct val="20000"/>
-              </a:spcBef>
-              <a:spcAft>
-                <a:spcPct val="0"/>
-              </a:spcAft>
-              <a:buClr>
-                <a:schemeClr val="tx2"/>
-              </a:buClr>
-              <a:buSzPct val="75000"/>
-              <a:buFont typeface="Monotype Sorts" pitchFamily="2" charset="2"/>
-              <a:buChar char="&lt;"/>
-              <a:defRPr kumimoji="1" sz="2000">
-                <a:solidFill>
-                  <a:srgbClr val="000000"/>
-                </a:solidFill>
-                <a:latin typeface="+mn-lt"/>
-              </a:defRPr>
-            </a:lvl3pPr>
-            <a:lvl4pPr marL="1600200" indent="-228600" algn="l" rtl="0" eaLnBrk="1" fontAlgn="base" hangingPunct="1">
-              <a:spcBef>
-                <a:spcPct val="20000"/>
-              </a:spcBef>
-              <a:spcAft>
-                <a:spcPct val="0"/>
-              </a:spcAft>
-              <a:buClr>
-                <a:schemeClr val="tx2"/>
-              </a:buClr>
-              <a:buChar char="–"/>
-              <a:defRPr kumimoji="1">
-                <a:solidFill>
-                  <a:srgbClr val="000000"/>
-                </a:solidFill>
-                <a:latin typeface="+mn-lt"/>
-              </a:defRPr>
-            </a:lvl4pPr>
-            <a:lvl5pPr marL="2057400" indent="-228600" algn="l" rtl="0" eaLnBrk="1" fontAlgn="base" hangingPunct="1">
-              <a:spcBef>
-                <a:spcPct val="20000"/>
-              </a:spcBef>
-              <a:spcAft>
-                <a:spcPct val="0"/>
-              </a:spcAft>
-              <a:buClr>
-                <a:schemeClr val="tx2"/>
-              </a:buClr>
-              <a:buChar char="–"/>
-              <a:defRPr kumimoji="1" sz="1600">
-                <a:solidFill>
-                  <a:srgbClr val="000000"/>
-                </a:solidFill>
-                <a:latin typeface="+mn-lt"/>
-              </a:defRPr>
-            </a:lvl5pPr>
-            <a:lvl6pPr marL="2514600" indent="-228600" algn="l" rtl="0" eaLnBrk="1" fontAlgn="base" hangingPunct="1">
-              <a:spcBef>
-                <a:spcPct val="20000"/>
-              </a:spcBef>
-              <a:spcAft>
-                <a:spcPct val="0"/>
-              </a:spcAft>
-              <a:buClr>
-                <a:schemeClr val="tx2"/>
-              </a:buClr>
-              <a:buChar char="–"/>
-              <a:defRPr kumimoji="1" sz="1600">
-                <a:solidFill>
-                  <a:srgbClr val="000000"/>
-                </a:solidFill>
-                <a:latin typeface="+mn-lt"/>
-              </a:defRPr>
-            </a:lvl6pPr>
-            <a:lvl7pPr marL="2971800" indent="-228600" algn="l" rtl="0" eaLnBrk="1" fontAlgn="base" hangingPunct="1">
-              <a:spcBef>
-                <a:spcPct val="20000"/>
-              </a:spcBef>
-              <a:spcAft>
-                <a:spcPct val="0"/>
-              </a:spcAft>
-              <a:buClr>
-                <a:schemeClr val="tx2"/>
-              </a:buClr>
-              <a:buChar char="–"/>
-              <a:defRPr kumimoji="1" sz="1600">
-                <a:solidFill>
-                  <a:srgbClr val="000000"/>
-                </a:solidFill>
-                <a:latin typeface="+mn-lt"/>
-              </a:defRPr>
-            </a:lvl7pPr>
-            <a:lvl8pPr marL="3429000" indent="-228600" algn="l" rtl="0" eaLnBrk="1" fontAlgn="base" hangingPunct="1">
-              <a:spcBef>
-                <a:spcPct val="20000"/>
-              </a:spcBef>
-              <a:spcAft>
-                <a:spcPct val="0"/>
-              </a:spcAft>
-              <a:buClr>
-                <a:schemeClr val="tx2"/>
-              </a:buClr>
-              <a:buChar char="–"/>
-              <a:defRPr kumimoji="1" sz="1600">
-                <a:solidFill>
-                  <a:srgbClr val="000000"/>
-                </a:solidFill>
-                <a:latin typeface="+mn-lt"/>
-              </a:defRPr>
-            </a:lvl8pPr>
-            <a:lvl9pPr marL="3886200" indent="-228600" algn="l" rtl="0" eaLnBrk="1" fontAlgn="base" hangingPunct="1">
-              <a:spcBef>
-                <a:spcPct val="20000"/>
-              </a:spcBef>
-              <a:spcAft>
-                <a:spcPct val="0"/>
-              </a:spcAft>
-              <a:buClr>
-                <a:schemeClr val="tx2"/>
-              </a:buClr>
-              <a:buChar char="–"/>
-              <a:defRPr kumimoji="1" sz="1600">
-                <a:solidFill>
-                  <a:srgbClr val="000000"/>
-                </a:solidFill>
-                <a:latin typeface="+mn-lt"/>
-              </a:defRPr>
-            </a:lvl9pPr>
-          </a:lstStyle>
-          <a:p>
-            <a:pPr marL="0" indent="0">
-              <a:buClrTx/>
-              <a:buNone/>
-            </a:pPr>
-            <a:r>
-              <a:rPr lang="en-US" dirty="0"/>
-              <a:t>Character level embedding with LSTM</a:t>
-            </a:r>
-            <a:endParaRPr lang="en-US" dirty="0">
-              <a:solidFill>
-                <a:srgbClr val="FF0000"/>
-              </a:solidFill>
-            </a:endParaRPr>
-          </a:p>
-          <a:p>
-            <a:endParaRPr lang="en-US" kern="0" dirty="0"/>
-          </a:p>
-          <a:p>
-            <a:endParaRPr lang="en-US" kern="0" dirty="0" smtClean="0"/>
-          </a:p>
-          <a:p>
-            <a:endParaRPr lang="en-US" kern="0" dirty="0"/>
-          </a:p>
-          <a:p>
-            <a:endParaRPr lang="en-US" kern="0" dirty="0" smtClean="0"/>
-          </a:p>
-          <a:p>
-            <a:endParaRPr lang="en-US" kern="0" dirty="0"/>
-          </a:p>
-          <a:p>
-            <a:endParaRPr lang="en-US" kern="0" dirty="0" smtClean="0"/>
-          </a:p>
-          <a:p>
-            <a:endParaRPr lang="en-US" kern="0" dirty="0"/>
-          </a:p>
-          <a:p>
-            <a:endParaRPr lang="en-US" kern="0" dirty="0"/>
-          </a:p>
-        </p:txBody>
-      </p:sp>
-      <p:sp>
-        <p:nvSpPr>
-          <p:cNvPr id="15" name="TextBox 14"/>
-          <p:cNvSpPr txBox="1"/>
-          <p:nvPr/>
-        </p:nvSpPr>
-        <p:spPr>
-          <a:xfrm>
-            <a:off x="965709" y="5491176"/>
-            <a:ext cx="2488182" cy="307777"/>
-          </a:xfrm>
-          <a:prstGeom prst="rect">
-            <a:avLst/>
-          </a:prstGeom>
-          <a:noFill/>
-        </p:spPr>
-        <p:txBody>
-          <a:bodyPr wrap="none" rtlCol="0">
-            <a:spAutoFit/>
-          </a:bodyPr>
-          <a:lstStyle/>
-          <a:p>
-            <a:pPr lvl="0"/>
-            <a:r>
-              <a:rPr lang="en-US" sz="1400" dirty="0"/>
-              <a:t>Heat map with diversity = </a:t>
-            </a:r>
-            <a:r>
-              <a:rPr lang="en-US" sz="1400" dirty="0" smtClean="0"/>
-              <a:t>0.2</a:t>
-            </a:r>
-            <a:endParaRPr lang="en-US" sz="1400" dirty="0"/>
-          </a:p>
-        </p:txBody>
-      </p:sp>
-      <p:sp>
-        <p:nvSpPr>
-          <p:cNvPr id="16" name="TextBox 15"/>
-          <p:cNvSpPr txBox="1"/>
-          <p:nvPr/>
-        </p:nvSpPr>
-        <p:spPr>
-          <a:xfrm>
-            <a:off x="5257800" y="5482100"/>
-            <a:ext cx="2488182" cy="307777"/>
-          </a:xfrm>
-          <a:prstGeom prst="rect">
-            <a:avLst/>
-          </a:prstGeom>
-          <a:noFill/>
-        </p:spPr>
-        <p:txBody>
-          <a:bodyPr wrap="none" rtlCol="0">
-            <a:spAutoFit/>
-          </a:bodyPr>
-          <a:lstStyle/>
-          <a:p>
-            <a:pPr lvl="0"/>
-            <a:r>
-              <a:rPr lang="en-US" sz="1400" dirty="0"/>
-              <a:t>Heat map with diversity = 1</a:t>
-            </a:r>
-            <a:r>
-              <a:rPr lang="en-US" sz="1400" dirty="0" smtClean="0"/>
-              <a:t>.2</a:t>
-            </a:r>
-            <a:endParaRPr lang="en-US" sz="1400" dirty="0"/>
-          </a:p>
-        </p:txBody>
-      </p:sp>
-      <p:pic>
-        <p:nvPicPr>
-          <p:cNvPr id="9" name="Content Placeholder 7"/>
-          <p:cNvPicPr>
-            <a:picLocks noGrp="1" noChangeAspect="1"/>
-          </p:cNvPicPr>
-          <p:nvPr>
-            <p:ph idx="1"/>
-          </p:nvPr>
-        </p:nvPicPr>
-        <p:blipFill>
-          <a:blip r:embed="rId2">
-            <a:extLst>
-              <a:ext uri="{28A0092B-C50C-407E-A947-70E740481C1C}">
-                <a14:useLocalDpi xmlns:a14="http://schemas.microsoft.com/office/drawing/2010/main" val="0"/>
-              </a:ext>
-            </a:extLst>
-          </a:blip>
-          <a:stretch>
-            <a:fillRect/>
-          </a:stretch>
-        </p:blipFill>
-        <p:spPr>
-          <a:xfrm>
-            <a:off x="76200" y="2090928"/>
-            <a:ext cx="4828032" cy="3319272"/>
-          </a:xfrm>
-        </p:spPr>
-      </p:pic>
-      <p:pic>
-        <p:nvPicPr>
-          <p:cNvPr id="10" name="Content Placeholder 7"/>
-          <p:cNvPicPr>
-            <a:picLocks noChangeAspect="1"/>
-          </p:cNvPicPr>
-          <p:nvPr/>
-        </p:nvPicPr>
-        <p:blipFill>
-          <a:blip r:embed="rId3">
-            <a:extLst>
-              <a:ext uri="{28A0092B-C50C-407E-A947-70E740481C1C}">
-                <a14:useLocalDpi xmlns:a14="http://schemas.microsoft.com/office/drawing/2010/main" val="0"/>
-              </a:ext>
-            </a:extLst>
-          </a:blip>
-          <a:stretch>
-            <a:fillRect/>
-          </a:stretch>
-        </p:blipFill>
-        <p:spPr bwMode="auto">
-          <a:xfrm>
-            <a:off x="4330191" y="2057400"/>
-            <a:ext cx="4828032" cy="3319272"/>
-          </a:xfrm>
-          <a:prstGeom prst="rect">
-            <a:avLst/>
-          </a:prstGeom>
-          <a:noFill/>
-          <a:ln>
-            <a:noFill/>
-          </a:ln>
-          <a:extLst>
-            <a:ext uri="{909E8E84-426E-40dd-AFC4-6F175D3DCCD1}">
-              <a14:hiddenFill xmlns="" xmlns:a14="http://schemas.microsoft.com/office/drawing/2010/main">
-                <a:solidFill>
-                  <a:srgbClr val="FFFFFF"/>
-                </a:solidFill>
-              </a14:hiddenFill>
-            </a:ext>
-            <a:ext uri="{91240B29-F687-4f45-9708-019B960494DF}">
-              <a14:hiddenLine xmlns="" xmlns:a14="http://schemas.microsoft.com/office/drawing/2010/main" w="9525">
-                <a:solidFill>
-                  <a:srgbClr val="000000"/>
-                </a:solidFill>
-                <a:miter lim="800000"/>
-                <a:headEnd/>
-                <a:tailEnd/>
-              </a14:hiddenLine>
-            </a:ext>
-          </a:extLst>
-        </p:spPr>
-      </p:pic>
-    </p:spTree>
-    <p:extLst>
-      <p:ext uri="{BB962C8B-B14F-4D97-AF65-F5344CB8AC3E}">
-        <p14:creationId xmlns:p14="http://schemas.microsoft.com/office/powerpoint/2010/main" val="7339525"/>
       </p:ext>
     </p:extLst>
   </p:cSld>
@@ -8082,7 +8204,7 @@
         <a:effectLst/>
         <a:extLst>
           <a:ext uri="{AF507438-7753-43e0-B8FC-AC1667EBCBE1}">
-            <a14:hiddenEffects xmlns="" xmlns:a14="http://schemas.microsoft.com/office/drawing/2010/main">
+            <a14:hiddenEffects xmlns:a14="http://schemas.microsoft.com/office/drawing/2010/main" xmlns="">
               <a:effectLst>
                 <a:outerShdw dist="35921" dir="2700000" algn="ctr" rotWithShape="0">
                   <a:schemeClr val="bg2"/>
@@ -8155,7 +8277,7 @@
         <a:effectLst/>
         <a:extLst>
           <a:ext uri="{AF507438-7753-43e0-B8FC-AC1667EBCBE1}">
-            <a14:hiddenEffects xmlns="" xmlns:a14="http://schemas.microsoft.com/office/drawing/2010/main">
+            <a14:hiddenEffects xmlns:a14="http://schemas.microsoft.com/office/drawing/2010/main" xmlns="">
               <a:effectLst>
                 <a:outerShdw dist="35921" dir="2700000" algn="ctr" rotWithShape="0">
                   <a:schemeClr val="bg2"/>

--- a/Convectional Neural Networks Final Presentation.pptx
+++ b/Convectional Neural Networks Final Presentation.pptx
@@ -641,7 +641,7 @@
           </a:ln>
           <a:extLst>
             <a:ext uri="{909E8E84-426E-40dd-AFC4-6F175D3DCCD1}">
-              <a14:hiddenFill xmlns="" xmlns:a14="http://schemas.microsoft.com/office/drawing/2010/main">
+              <a14:hiddenFill xmlns:a14="http://schemas.microsoft.com/office/drawing/2010/main" xmlns="">
                 <a:solidFill>
                   <a:srgbClr val="FFFFFF"/>
                 </a:solidFill>
@@ -1093,14 +1093,14 @@
           </a:ln>
           <a:extLst>
             <a:ext uri="{909E8E84-426E-40dd-AFC4-6F175D3DCCD1}">
-              <a14:hiddenFill xmlns:a14="http://schemas.microsoft.com/office/drawing/2010/main" xmlns="">
+              <a14:hiddenFill xmlns="" xmlns:a14="http://schemas.microsoft.com/office/drawing/2010/main">
                 <a:solidFill>
                   <a:srgbClr val="FFFFFF"/>
                 </a:solidFill>
               </a14:hiddenFill>
             </a:ext>
             <a:ext uri="{91240B29-F687-4f45-9708-019B960494DF}">
-              <a14:hiddenLine xmlns:a14="http://schemas.microsoft.com/office/drawing/2010/main" xmlns="" w="9525">
+              <a14:hiddenLine xmlns="" xmlns:a14="http://schemas.microsoft.com/office/drawing/2010/main" w="9525">
                 <a:solidFill>
                   <a:srgbClr val="000000"/>
                 </a:solidFill>
@@ -1134,14 +1134,14 @@
           </a:ln>
           <a:extLst>
             <a:ext uri="{909E8E84-426E-40dd-AFC4-6F175D3DCCD1}">
-              <a14:hiddenFill xmlns:a14="http://schemas.microsoft.com/office/drawing/2010/main" xmlns="">
+              <a14:hiddenFill xmlns="" xmlns:a14="http://schemas.microsoft.com/office/drawing/2010/main">
                 <a:solidFill>
                   <a:srgbClr val="FFFFFF"/>
                 </a:solidFill>
               </a14:hiddenFill>
             </a:ext>
             <a:ext uri="{91240B29-F687-4f45-9708-019B960494DF}">
-              <a14:hiddenLine xmlns:a14="http://schemas.microsoft.com/office/drawing/2010/main" xmlns="" w="9525">
+              <a14:hiddenLine xmlns="" xmlns:a14="http://schemas.microsoft.com/office/drawing/2010/main" w="9525">
                 <a:solidFill>
                   <a:srgbClr val="000000"/>
                 </a:solidFill>
@@ -1290,7 +1290,7 @@
           </a:ln>
           <a:extLst>
             <a:ext uri="{909E8E84-426E-40dd-AFC4-6F175D3DCCD1}">
-              <a14:hiddenFill xmlns:a14="http://schemas.microsoft.com/office/drawing/2010/main" xmlns="">
+              <a14:hiddenFill xmlns="" xmlns:a14="http://schemas.microsoft.com/office/drawing/2010/main">
                 <a:noFill/>
               </a14:hiddenFill>
             </a:ext>
@@ -1331,7 +1331,7 @@
           </a:ln>
           <a:extLst>
             <a:ext uri="{909E8E84-426E-40dd-AFC4-6F175D3DCCD1}">
-              <a14:hiddenFill xmlns:a14="http://schemas.microsoft.com/office/drawing/2010/main" xmlns="">
+              <a14:hiddenFill xmlns="" xmlns:a14="http://schemas.microsoft.com/office/drawing/2010/main">
                 <a:noFill/>
               </a14:hiddenFill>
             </a:ext>
@@ -1372,7 +1372,7 @@
           </a:ln>
           <a:extLst>
             <a:ext uri="{909E8E84-426E-40dd-AFC4-6F175D3DCCD1}">
-              <a14:hiddenFill xmlns:a14="http://schemas.microsoft.com/office/drawing/2010/main" xmlns="">
+              <a14:hiddenFill xmlns="" xmlns:a14="http://schemas.microsoft.com/office/drawing/2010/main">
                 <a:solidFill>
                   <a:srgbClr val="FFFFFF"/>
                 </a:solidFill>
@@ -1515,7 +1515,7 @@
           </a:ln>
           <a:extLst>
             <a:ext uri="{909E8E84-426E-40dd-AFC4-6F175D3DCCD1}">
-              <a14:hiddenFill xmlns:a14="http://schemas.microsoft.com/office/drawing/2010/main" xmlns="">
+              <a14:hiddenFill xmlns="" xmlns:a14="http://schemas.microsoft.com/office/drawing/2010/main">
                 <a:solidFill>
                   <a:srgbClr val="FFFFFF"/>
                 </a:solidFill>
@@ -3416,14 +3416,14 @@
           </a:ln>
           <a:extLst>
             <a:ext uri="{909E8E84-426E-40dd-AFC4-6F175D3DCCD1}">
-              <a14:hiddenFill xmlns:a14="http://schemas.microsoft.com/office/drawing/2010/main" xmlns="">
+              <a14:hiddenFill xmlns="" xmlns:a14="http://schemas.microsoft.com/office/drawing/2010/main">
                 <a:solidFill>
                   <a:srgbClr val="FFFFFF"/>
                 </a:solidFill>
               </a14:hiddenFill>
             </a:ext>
             <a:ext uri="{91240B29-F687-4f45-9708-019B960494DF}">
-              <a14:hiddenLine xmlns:a14="http://schemas.microsoft.com/office/drawing/2010/main" xmlns="" w="9525">
+              <a14:hiddenLine xmlns="" xmlns:a14="http://schemas.microsoft.com/office/drawing/2010/main" w="9525">
                 <a:solidFill>
                   <a:srgbClr val="000000"/>
                 </a:solidFill>
@@ -3459,14 +3459,14 @@
           </a:ln>
           <a:extLst>
             <a:ext uri="{909E8E84-426E-40dd-AFC4-6F175D3DCCD1}">
-              <a14:hiddenFill xmlns:a14="http://schemas.microsoft.com/office/drawing/2010/main" xmlns="">
+              <a14:hiddenFill xmlns="" xmlns:a14="http://schemas.microsoft.com/office/drawing/2010/main">
                 <a:solidFill>
                   <a:srgbClr val="FFFFFF"/>
                 </a:solidFill>
               </a14:hiddenFill>
             </a:ext>
             <a:ext uri="{91240B29-F687-4f45-9708-019B960494DF}">
-              <a14:hiddenLine xmlns:a14="http://schemas.microsoft.com/office/drawing/2010/main" xmlns="" w="9525">
+              <a14:hiddenLine xmlns="" xmlns:a14="http://schemas.microsoft.com/office/drawing/2010/main" w="9525">
                 <a:solidFill>
                   <a:srgbClr val="000000"/>
                 </a:solidFill>
@@ -3517,14 +3517,14 @@
           </a:ln>
           <a:extLst>
             <a:ext uri="{909E8E84-426E-40dd-AFC4-6F175D3DCCD1}">
-              <a14:hiddenFill xmlns:a14="http://schemas.microsoft.com/office/drawing/2010/main" xmlns="">
+              <a14:hiddenFill xmlns="" xmlns:a14="http://schemas.microsoft.com/office/drawing/2010/main">
                 <a:solidFill>
                   <a:srgbClr val="FFFFFF"/>
                 </a:solidFill>
               </a14:hiddenFill>
             </a:ext>
             <a:ext uri="{91240B29-F687-4f45-9708-019B960494DF}">
-              <a14:hiddenLine xmlns:a14="http://schemas.microsoft.com/office/drawing/2010/main" xmlns="" w="9525">
+              <a14:hiddenLine xmlns="" xmlns:a14="http://schemas.microsoft.com/office/drawing/2010/main" w="9525">
                 <a:solidFill>
                   <a:srgbClr val="000000"/>
                 </a:solidFill>
@@ -3578,7 +3578,7 @@
           </a:ln>
           <a:extLst>
             <a:ext uri="{909E8E84-426E-40dd-AFC4-6F175D3DCCD1}">
-              <a14:hiddenFill xmlns:a14="http://schemas.microsoft.com/office/drawing/2010/main" xmlns="">
+              <a14:hiddenFill xmlns="" xmlns:a14="http://schemas.microsoft.com/office/drawing/2010/main">
                 <a:noFill/>
               </a14:hiddenFill>
             </a:ext>
@@ -3619,7 +3619,7 @@
           <a:effectLst/>
           <a:extLst>
             <a:ext uri="{AF507438-7753-43e0-B8FC-AC1667EBCBE1}">
-              <a14:hiddenEffects xmlns:a14="http://schemas.microsoft.com/office/drawing/2010/main" xmlns="">
+              <a14:hiddenEffects xmlns="" xmlns:a14="http://schemas.microsoft.com/office/drawing/2010/main">
                 <a:effectLst>
                   <a:outerShdw dist="35921" dir="2700000" algn="ctr" rotWithShape="0">
                     <a:schemeClr val="bg2"/>
@@ -4175,14 +4175,14 @@
           </a:ln>
           <a:extLst>
             <a:ext uri="{909E8E84-426E-40dd-AFC4-6F175D3DCCD1}">
-              <a14:hiddenFill xmlns="" xmlns:a14="http://schemas.microsoft.com/office/drawing/2010/main">
+              <a14:hiddenFill xmlns:a14="http://schemas.microsoft.com/office/drawing/2010/main" xmlns="">
                 <a:solidFill>
                   <a:srgbClr val="FFFFFF"/>
                 </a:solidFill>
               </a14:hiddenFill>
             </a:ext>
             <a:ext uri="{91240B29-F687-4f45-9708-019B960494DF}">
-              <a14:hiddenLine xmlns="" xmlns:a14="http://schemas.microsoft.com/office/drawing/2010/main" w="9525">
+              <a14:hiddenLine xmlns:a14="http://schemas.microsoft.com/office/drawing/2010/main" xmlns="" w="9525">
                 <a:solidFill>
                   <a:srgbClr val="000000"/>
                 </a:solidFill>
@@ -4812,14 +4812,14 @@
           </a:ln>
           <a:extLst>
             <a:ext uri="{909E8E84-426E-40dd-AFC4-6F175D3DCCD1}">
-              <a14:hiddenFill xmlns:a14="http://schemas.microsoft.com/office/drawing/2010/main" xmlns="">
+              <a14:hiddenFill xmlns="" xmlns:a14="http://schemas.microsoft.com/office/drawing/2010/main">
                 <a:solidFill>
                   <a:srgbClr val="FFFFFF"/>
                 </a:solidFill>
               </a14:hiddenFill>
             </a:ext>
             <a:ext uri="{91240B29-F687-4f45-9708-019B960494DF}">
-              <a14:hiddenLine xmlns:a14="http://schemas.microsoft.com/office/drawing/2010/main" xmlns="" w="9525">
+              <a14:hiddenLine xmlns="" xmlns:a14="http://schemas.microsoft.com/office/drawing/2010/main" w="9525">
                 <a:solidFill>
                   <a:srgbClr val="000000"/>
                 </a:solidFill>
@@ -6215,6 +6215,9 @@
               <a:rPr lang="en-US" sz="1600" dirty="0" smtClean="0"/>
               <a:t>with</a:t>
             </a:r>
+            <a:br>
+              <a:rPr lang="en-US" sz="1600" dirty="0" smtClean="0"/>
+            </a:br>
             <a:endParaRPr lang="en-US" sz="1600" dirty="0"/>
           </a:p>
           <a:p>
@@ -6267,6 +6270,9 @@
               <a:rPr lang="en-US" sz="1600" b="1" dirty="0" smtClean="0"/>
               <a:t>problematic</a:t>
             </a:r>
+            <a:br>
+              <a:rPr lang="en-US" sz="1600" b="1" dirty="0" smtClean="0"/>
+            </a:br>
             <a:endParaRPr lang="en-US" sz="1600" dirty="0" smtClean="0"/>
           </a:p>
           <a:p>
@@ -6293,11 +6299,7 @@
             </a:r>
             <a:r>
               <a:rPr lang="en-US" sz="1600" dirty="0"/>
-              <a:t>have been trained on a very general set of recipes including multiple types of food (both savory and sweet recipes</a:t>
-            </a:r>
-            <a:r>
-              <a:rPr lang="en-US" sz="1600" dirty="0" smtClean="0"/>
-              <a:t>)</a:t>
+              <a:t>have been trained on a very general set of recipes including multiple types of food </a:t>
             </a:r>
             <a:endParaRPr lang="en-US" sz="1600" dirty="0"/>
           </a:p>
@@ -6308,8 +6310,12 @@
               <a:buChar char="•"/>
             </a:pPr>
             <a:r>
+              <a:rPr lang="en-US" sz="1600" dirty="0" smtClean="0"/>
+              <a:t>Some </a:t>
+            </a:r>
+            <a:r>
               <a:rPr lang="en-US" sz="1600" dirty="0"/>
-              <a:t>Some common ingredient like salt appears in recipes as varied as cakes, burgers and pizzas, confusing the </a:t>
+              <a:t>common ingredient like salt appears in recipes as varied as cakes, burgers and pizzas, confusing the </a:t>
             </a:r>
             <a:r>
               <a:rPr lang="en-US" sz="1600" dirty="0" smtClean="0"/>
@@ -6502,6 +6508,9 @@
               <a:rPr lang="en-US" sz="1400" dirty="0" smtClean="0"/>
               <a:t>']</a:t>
             </a:r>
+            <a:br>
+              <a:rPr lang="en-US" sz="1400" dirty="0" smtClean="0"/>
+            </a:br>
             <a:endParaRPr lang="en-US" sz="1800" dirty="0" smtClean="0"/>
           </a:p>
           <a:p>
@@ -6525,7 +6534,7 @@
             </a:pPr>
             <a:r>
               <a:rPr lang="en-US" sz="1400" dirty="0"/>
-              <a:t>Removed special characters and converted from Unicode to ASCII</a:t>
+              <a:t>Removed special characters </a:t>
             </a:r>
           </a:p>
           <a:p>
@@ -6534,26 +6543,24 @@
             </a:pPr>
             <a:r>
               <a:rPr lang="en-US" sz="1400" dirty="0"/>
-              <a:t>Created a dictionary of words by looking at the term frequency matrix of the corpus and removing any infrequent (&lt;100) terms</a:t>
-            </a:r>
-          </a:p>
-          <a:p>
-            <a:pPr lvl="1">
-              <a:buClrTx/>
-            </a:pPr>
-            <a:r>
-              <a:rPr lang="en-US" sz="1400" dirty="0"/>
-              <a:t>Inspected the final dictionary and removed any words that were instructions or were unrelated to cookies</a:t>
-            </a:r>
-          </a:p>
-          <a:p>
-            <a:pPr lvl="1">
-              <a:buClrTx/>
-            </a:pPr>
-            <a:r>
-              <a:rPr lang="en-US" sz="1400" dirty="0"/>
-              <a:t>Removed any words not in the final dictionary from the corpus</a:t>
-            </a:r>
+              <a:t>Inspected the final dictionary and removed any words that were instructions or were unrelated </a:t>
+            </a:r>
+            <a:r>
+              <a:rPr lang="en-US" sz="1400"/>
+              <a:t>to </a:t>
+            </a:r>
+            <a:r>
+              <a:rPr lang="en-US" sz="1400" smtClean="0"/>
+              <a:t>cookies</a:t>
+            </a:r>
+            <a:r>
+              <a:rPr lang="en-US" sz="1400" dirty="0" smtClean="0"/>
+              <a:t/>
+            </a:r>
+            <a:br>
+              <a:rPr lang="en-US" sz="1400" dirty="0" smtClean="0"/>
+            </a:br>
+            <a:endParaRPr lang="en-US" sz="1400" dirty="0"/>
           </a:p>
           <a:p>
             <a:r>
@@ -7808,14 +7815,14 @@
           </a:ln>
           <a:extLst>
             <a:ext uri="{909E8E84-426E-40dd-AFC4-6F175D3DCCD1}">
-              <a14:hiddenFill xmlns:a14="http://schemas.microsoft.com/office/drawing/2010/main" xmlns="">
+              <a14:hiddenFill xmlns="" xmlns:a14="http://schemas.microsoft.com/office/drawing/2010/main">
                 <a:solidFill>
                   <a:srgbClr val="FFFFFF"/>
                 </a:solidFill>
               </a14:hiddenFill>
             </a:ext>
             <a:ext uri="{91240B29-F687-4f45-9708-019B960494DF}">
-              <a14:hiddenLine xmlns:a14="http://schemas.microsoft.com/office/drawing/2010/main" xmlns="" w="9525">
+              <a14:hiddenLine xmlns="" xmlns:a14="http://schemas.microsoft.com/office/drawing/2010/main" w="9525">
                 <a:solidFill>
                   <a:srgbClr val="000000"/>
                 </a:solidFill>
@@ -8204,7 +8211,7 @@
         <a:effectLst/>
         <a:extLst>
           <a:ext uri="{AF507438-7753-43e0-B8FC-AC1667EBCBE1}">
-            <a14:hiddenEffects xmlns:a14="http://schemas.microsoft.com/office/drawing/2010/main" xmlns="">
+            <a14:hiddenEffects xmlns="" xmlns:a14="http://schemas.microsoft.com/office/drawing/2010/main">
               <a:effectLst>
                 <a:outerShdw dist="35921" dir="2700000" algn="ctr" rotWithShape="0">
                   <a:schemeClr val="bg2"/>
@@ -8277,7 +8284,7 @@
         <a:effectLst/>
         <a:extLst>
           <a:ext uri="{AF507438-7753-43e0-B8FC-AC1667EBCBE1}">
-            <a14:hiddenEffects xmlns:a14="http://schemas.microsoft.com/office/drawing/2010/main" xmlns="">
+            <a14:hiddenEffects xmlns="" xmlns:a14="http://schemas.microsoft.com/office/drawing/2010/main">
               <a:effectLst>
                 <a:outerShdw dist="35921" dir="2700000" algn="ctr" rotWithShape="0">
                   <a:schemeClr val="bg2"/>

--- a/Convectional Neural Networks Final Presentation.pptx
+++ b/Convectional Neural Networks Final Presentation.pptx
@@ -641,7 +641,7 @@
           </a:ln>
           <a:extLst>
             <a:ext uri="{909E8E84-426E-40dd-AFC4-6F175D3DCCD1}">
-              <a14:hiddenFill xmlns:a14="http://schemas.microsoft.com/office/drawing/2010/main" xmlns="">
+              <a14:hiddenFill xmlns="" xmlns:a14="http://schemas.microsoft.com/office/drawing/2010/main">
                 <a:solidFill>
                   <a:srgbClr val="FFFFFF"/>
                 </a:solidFill>
@@ -1093,14 +1093,14 @@
           </a:ln>
           <a:extLst>
             <a:ext uri="{909E8E84-426E-40dd-AFC4-6F175D3DCCD1}">
-              <a14:hiddenFill xmlns="" xmlns:a14="http://schemas.microsoft.com/office/drawing/2010/main">
+              <a14:hiddenFill xmlns:a14="http://schemas.microsoft.com/office/drawing/2010/main" xmlns="">
                 <a:solidFill>
                   <a:srgbClr val="FFFFFF"/>
                 </a:solidFill>
               </a14:hiddenFill>
             </a:ext>
             <a:ext uri="{91240B29-F687-4f45-9708-019B960494DF}">
-              <a14:hiddenLine xmlns="" xmlns:a14="http://schemas.microsoft.com/office/drawing/2010/main" w="9525">
+              <a14:hiddenLine xmlns:a14="http://schemas.microsoft.com/office/drawing/2010/main" xmlns="" w="9525">
                 <a:solidFill>
                   <a:srgbClr val="000000"/>
                 </a:solidFill>
@@ -1134,14 +1134,14 @@
           </a:ln>
           <a:extLst>
             <a:ext uri="{909E8E84-426E-40dd-AFC4-6F175D3DCCD1}">
-              <a14:hiddenFill xmlns="" xmlns:a14="http://schemas.microsoft.com/office/drawing/2010/main">
+              <a14:hiddenFill xmlns:a14="http://schemas.microsoft.com/office/drawing/2010/main" xmlns="">
                 <a:solidFill>
                   <a:srgbClr val="FFFFFF"/>
                 </a:solidFill>
               </a14:hiddenFill>
             </a:ext>
             <a:ext uri="{91240B29-F687-4f45-9708-019B960494DF}">
-              <a14:hiddenLine xmlns="" xmlns:a14="http://schemas.microsoft.com/office/drawing/2010/main" w="9525">
+              <a14:hiddenLine xmlns:a14="http://schemas.microsoft.com/office/drawing/2010/main" xmlns="" w="9525">
                 <a:solidFill>
                   <a:srgbClr val="000000"/>
                 </a:solidFill>
@@ -1290,7 +1290,7 @@
           </a:ln>
           <a:extLst>
             <a:ext uri="{909E8E84-426E-40dd-AFC4-6F175D3DCCD1}">
-              <a14:hiddenFill xmlns="" xmlns:a14="http://schemas.microsoft.com/office/drawing/2010/main">
+              <a14:hiddenFill xmlns:a14="http://schemas.microsoft.com/office/drawing/2010/main" xmlns="">
                 <a:noFill/>
               </a14:hiddenFill>
             </a:ext>
@@ -1331,7 +1331,7 @@
           </a:ln>
           <a:extLst>
             <a:ext uri="{909E8E84-426E-40dd-AFC4-6F175D3DCCD1}">
-              <a14:hiddenFill xmlns="" xmlns:a14="http://schemas.microsoft.com/office/drawing/2010/main">
+              <a14:hiddenFill xmlns:a14="http://schemas.microsoft.com/office/drawing/2010/main" xmlns="">
                 <a:noFill/>
               </a14:hiddenFill>
             </a:ext>
@@ -1372,7 +1372,7 @@
           </a:ln>
           <a:extLst>
             <a:ext uri="{909E8E84-426E-40dd-AFC4-6F175D3DCCD1}">
-              <a14:hiddenFill xmlns="" xmlns:a14="http://schemas.microsoft.com/office/drawing/2010/main">
+              <a14:hiddenFill xmlns:a14="http://schemas.microsoft.com/office/drawing/2010/main" xmlns="">
                 <a:solidFill>
                   <a:srgbClr val="FFFFFF"/>
                 </a:solidFill>
@@ -1515,7 +1515,7 @@
           </a:ln>
           <a:extLst>
             <a:ext uri="{909E8E84-426E-40dd-AFC4-6F175D3DCCD1}">
-              <a14:hiddenFill xmlns="" xmlns:a14="http://schemas.microsoft.com/office/drawing/2010/main">
+              <a14:hiddenFill xmlns:a14="http://schemas.microsoft.com/office/drawing/2010/main" xmlns="">
                 <a:solidFill>
                   <a:srgbClr val="FFFFFF"/>
                 </a:solidFill>
@@ -3416,14 +3416,14 @@
           </a:ln>
           <a:extLst>
             <a:ext uri="{909E8E84-426E-40dd-AFC4-6F175D3DCCD1}">
-              <a14:hiddenFill xmlns="" xmlns:a14="http://schemas.microsoft.com/office/drawing/2010/main">
+              <a14:hiddenFill xmlns:a14="http://schemas.microsoft.com/office/drawing/2010/main" xmlns="">
                 <a:solidFill>
                   <a:srgbClr val="FFFFFF"/>
                 </a:solidFill>
               </a14:hiddenFill>
             </a:ext>
             <a:ext uri="{91240B29-F687-4f45-9708-019B960494DF}">
-              <a14:hiddenLine xmlns="" xmlns:a14="http://schemas.microsoft.com/office/drawing/2010/main" w="9525">
+              <a14:hiddenLine xmlns:a14="http://schemas.microsoft.com/office/drawing/2010/main" xmlns="" w="9525">
                 <a:solidFill>
                   <a:srgbClr val="000000"/>
                 </a:solidFill>
@@ -3459,14 +3459,14 @@
           </a:ln>
           <a:extLst>
             <a:ext uri="{909E8E84-426E-40dd-AFC4-6F175D3DCCD1}">
-              <a14:hiddenFill xmlns="" xmlns:a14="http://schemas.microsoft.com/office/drawing/2010/main">
+              <a14:hiddenFill xmlns:a14="http://schemas.microsoft.com/office/drawing/2010/main" xmlns="">
                 <a:solidFill>
                   <a:srgbClr val="FFFFFF"/>
                 </a:solidFill>
               </a14:hiddenFill>
             </a:ext>
             <a:ext uri="{91240B29-F687-4f45-9708-019B960494DF}">
-              <a14:hiddenLine xmlns="" xmlns:a14="http://schemas.microsoft.com/office/drawing/2010/main" w="9525">
+              <a14:hiddenLine xmlns:a14="http://schemas.microsoft.com/office/drawing/2010/main" xmlns="" w="9525">
                 <a:solidFill>
                   <a:srgbClr val="000000"/>
                 </a:solidFill>
@@ -3517,14 +3517,14 @@
           </a:ln>
           <a:extLst>
             <a:ext uri="{909E8E84-426E-40dd-AFC4-6F175D3DCCD1}">
-              <a14:hiddenFill xmlns="" xmlns:a14="http://schemas.microsoft.com/office/drawing/2010/main">
+              <a14:hiddenFill xmlns:a14="http://schemas.microsoft.com/office/drawing/2010/main" xmlns="">
                 <a:solidFill>
                   <a:srgbClr val="FFFFFF"/>
                 </a:solidFill>
               </a14:hiddenFill>
             </a:ext>
             <a:ext uri="{91240B29-F687-4f45-9708-019B960494DF}">
-              <a14:hiddenLine xmlns="" xmlns:a14="http://schemas.microsoft.com/office/drawing/2010/main" w="9525">
+              <a14:hiddenLine xmlns:a14="http://schemas.microsoft.com/office/drawing/2010/main" xmlns="" w="9525">
                 <a:solidFill>
                   <a:srgbClr val="000000"/>
                 </a:solidFill>
@@ -3578,7 +3578,7 @@
           </a:ln>
           <a:extLst>
             <a:ext uri="{909E8E84-426E-40dd-AFC4-6F175D3DCCD1}">
-              <a14:hiddenFill xmlns="" xmlns:a14="http://schemas.microsoft.com/office/drawing/2010/main">
+              <a14:hiddenFill xmlns:a14="http://schemas.microsoft.com/office/drawing/2010/main" xmlns="">
                 <a:noFill/>
               </a14:hiddenFill>
             </a:ext>
@@ -3619,7 +3619,7 @@
           <a:effectLst/>
           <a:extLst>
             <a:ext uri="{AF507438-7753-43e0-B8FC-AC1667EBCBE1}">
-              <a14:hiddenEffects xmlns="" xmlns:a14="http://schemas.microsoft.com/office/drawing/2010/main">
+              <a14:hiddenEffects xmlns:a14="http://schemas.microsoft.com/office/drawing/2010/main" xmlns="">
                 <a:effectLst>
                   <a:outerShdw dist="35921" dir="2700000" algn="ctr" rotWithShape="0">
                     <a:schemeClr val="bg2"/>
@@ -4175,14 +4175,14 @@
           </a:ln>
           <a:extLst>
             <a:ext uri="{909E8E84-426E-40dd-AFC4-6F175D3DCCD1}">
-              <a14:hiddenFill xmlns:a14="http://schemas.microsoft.com/office/drawing/2010/main" xmlns="">
+              <a14:hiddenFill xmlns="" xmlns:a14="http://schemas.microsoft.com/office/drawing/2010/main">
                 <a:solidFill>
                   <a:srgbClr val="FFFFFF"/>
                 </a:solidFill>
               </a14:hiddenFill>
             </a:ext>
             <a:ext uri="{91240B29-F687-4f45-9708-019B960494DF}">
-              <a14:hiddenLine xmlns:a14="http://schemas.microsoft.com/office/drawing/2010/main" xmlns="" w="9525">
+              <a14:hiddenLine xmlns="" xmlns:a14="http://schemas.microsoft.com/office/drawing/2010/main" w="9525">
                 <a:solidFill>
                   <a:srgbClr val="000000"/>
                 </a:solidFill>
@@ -4812,14 +4812,14 @@
           </a:ln>
           <a:extLst>
             <a:ext uri="{909E8E84-426E-40dd-AFC4-6F175D3DCCD1}">
-              <a14:hiddenFill xmlns="" xmlns:a14="http://schemas.microsoft.com/office/drawing/2010/main">
+              <a14:hiddenFill xmlns:a14="http://schemas.microsoft.com/office/drawing/2010/main" xmlns="">
                 <a:solidFill>
                   <a:srgbClr val="FFFFFF"/>
                 </a:solidFill>
               </a14:hiddenFill>
             </a:ext>
             <a:ext uri="{91240B29-F687-4f45-9708-019B960494DF}">
-              <a14:hiddenLine xmlns="" xmlns:a14="http://schemas.microsoft.com/office/drawing/2010/main" w="9525">
+              <a14:hiddenLine xmlns:a14="http://schemas.microsoft.com/office/drawing/2010/main" xmlns="" w="9525">
                 <a:solidFill>
                   <a:srgbClr val="000000"/>
                 </a:solidFill>
@@ -6301,7 +6301,6 @@
               <a:rPr lang="en-US" sz="1600" dirty="0"/>
               <a:t>have been trained on a very general set of recipes including multiple types of food </a:t>
             </a:r>
-            <a:endParaRPr lang="en-US" sz="1600" dirty="0"/>
           </a:p>
           <a:p>
             <a:pPr marL="857250" lvl="1" indent="-457200">
@@ -6432,12 +6431,20 @@
               <a:t>from </a:t>
             </a:r>
             <a:r>
-              <a:rPr lang="en-US" sz="1800" dirty="0" err="1" smtClean="0"/>
+              <a:rPr lang="en-US" sz="1800" err="1" smtClean="0"/>
               <a:t>Yummly</a:t>
             </a:r>
             <a:r>
-              <a:rPr lang="en-US" sz="1800" dirty="0" smtClean="0"/>
-              <a:t> on </a:t>
+              <a:rPr lang="en-US" sz="1800" smtClean="0"/>
+              <a:t> </a:t>
+            </a:r>
+            <a:r>
+              <a:rPr lang="en-US" sz="1800" smtClean="0"/>
+              <a:t>using</a:t>
+            </a:r>
+            <a:r>
+              <a:rPr lang="en-US" sz="1800" smtClean="0"/>
+              <a:t> </a:t>
             </a:r>
             <a:r>
               <a:rPr lang="en-US" sz="1800" dirty="0"/>
@@ -6543,19 +6550,11 @@
             </a:pPr>
             <a:r>
               <a:rPr lang="en-US" sz="1400" dirty="0"/>
-              <a:t>Inspected the final dictionary and removed any words that were instructions or were unrelated </a:t>
-            </a:r>
-            <a:r>
-              <a:rPr lang="en-US" sz="1400"/>
-              <a:t>to </a:t>
-            </a:r>
-            <a:r>
-              <a:rPr lang="en-US" sz="1400" smtClean="0"/>
+              <a:t>Inspected the final dictionary and removed any words that were instructions or were unrelated to </a:t>
+            </a:r>
+            <a:r>
+              <a:rPr lang="en-US" sz="1400" dirty="0" smtClean="0"/>
               <a:t>cookies</a:t>
-            </a:r>
-            <a:r>
-              <a:rPr lang="en-US" sz="1400" dirty="0" smtClean="0"/>
-              <a:t/>
             </a:r>
             <a:br>
               <a:rPr lang="en-US" sz="1400" dirty="0" smtClean="0"/>
@@ -7815,14 +7814,14 @@
           </a:ln>
           <a:extLst>
             <a:ext uri="{909E8E84-426E-40dd-AFC4-6F175D3DCCD1}">
-              <a14:hiddenFill xmlns="" xmlns:a14="http://schemas.microsoft.com/office/drawing/2010/main">
+              <a14:hiddenFill xmlns:a14="http://schemas.microsoft.com/office/drawing/2010/main" xmlns="">
                 <a:solidFill>
                   <a:srgbClr val="FFFFFF"/>
                 </a:solidFill>
               </a14:hiddenFill>
             </a:ext>
             <a:ext uri="{91240B29-F687-4f45-9708-019B960494DF}">
-              <a14:hiddenLine xmlns="" xmlns:a14="http://schemas.microsoft.com/office/drawing/2010/main" w="9525">
+              <a14:hiddenLine xmlns:a14="http://schemas.microsoft.com/office/drawing/2010/main" xmlns="" w="9525">
                 <a:solidFill>
                   <a:srgbClr val="000000"/>
                 </a:solidFill>
@@ -8211,7 +8210,7 @@
         <a:effectLst/>
         <a:extLst>
           <a:ext uri="{AF507438-7753-43e0-B8FC-AC1667EBCBE1}">
-            <a14:hiddenEffects xmlns="" xmlns:a14="http://schemas.microsoft.com/office/drawing/2010/main">
+            <a14:hiddenEffects xmlns:a14="http://schemas.microsoft.com/office/drawing/2010/main" xmlns="">
               <a:effectLst>
                 <a:outerShdw dist="35921" dir="2700000" algn="ctr" rotWithShape="0">
                   <a:schemeClr val="bg2"/>
@@ -8284,7 +8283,7 @@
         <a:effectLst/>
         <a:extLst>
           <a:ext uri="{AF507438-7753-43e0-B8FC-AC1667EBCBE1}">
-            <a14:hiddenEffects xmlns="" xmlns:a14="http://schemas.microsoft.com/office/drawing/2010/main">
+            <a14:hiddenEffects xmlns:a14="http://schemas.microsoft.com/office/drawing/2010/main" xmlns="">
               <a:effectLst>
                 <a:outerShdw dist="35921" dir="2700000" algn="ctr" rotWithShape="0">
                   <a:schemeClr val="bg2"/>
